--- a/BookRecommender_prediction/Presentation_BRS.pptx
+++ b/BookRecommender_prediction/Presentation_BRS.pptx
@@ -5,7 +5,7 @@
     <p:sldMasterId id="2147484453" r:id="rId1"/>
   </p:sldMasterIdLst>
   <p:notesMasterIdLst>
-    <p:notesMasterId r:id="rId16"/>
+    <p:notesMasterId r:id="rId19"/>
   </p:notesMasterIdLst>
   <p:sldIdLst>
     <p:sldId id="256" r:id="rId2"/>
@@ -13,15 +13,18 @@
     <p:sldId id="258" r:id="rId4"/>
     <p:sldId id="272" r:id="rId5"/>
     <p:sldId id="266" r:id="rId6"/>
-    <p:sldId id="273" r:id="rId7"/>
-    <p:sldId id="276" r:id="rId8"/>
-    <p:sldId id="294" r:id="rId9"/>
-    <p:sldId id="292" r:id="rId10"/>
-    <p:sldId id="293" r:id="rId11"/>
-    <p:sldId id="286" r:id="rId12"/>
-    <p:sldId id="287" r:id="rId13"/>
-    <p:sldId id="288" r:id="rId14"/>
-    <p:sldId id="290" r:id="rId15"/>
+    <p:sldId id="298" r:id="rId7"/>
+    <p:sldId id="297" r:id="rId8"/>
+    <p:sldId id="273" r:id="rId9"/>
+    <p:sldId id="276" r:id="rId10"/>
+    <p:sldId id="294" r:id="rId11"/>
+    <p:sldId id="292" r:id="rId12"/>
+    <p:sldId id="293" r:id="rId13"/>
+    <p:sldId id="296" r:id="rId14"/>
+    <p:sldId id="286" r:id="rId15"/>
+    <p:sldId id="287" r:id="rId16"/>
+    <p:sldId id="288" r:id="rId17"/>
+    <p:sldId id="290" r:id="rId18"/>
   </p:sldIdLst>
   <p:sldSz cx="12192000" cy="6858000"/>
   <p:notesSz cx="9144000" cy="6858000"/>
@@ -130,11 +133,14 @@
             <p14:sldId id="258"/>
             <p14:sldId id="272"/>
             <p14:sldId id="266"/>
+            <p14:sldId id="298"/>
+            <p14:sldId id="297"/>
             <p14:sldId id="273"/>
             <p14:sldId id="276"/>
             <p14:sldId id="294"/>
             <p14:sldId id="292"/>
             <p14:sldId id="293"/>
+            <p14:sldId id="296"/>
             <p14:sldId id="286"/>
             <p14:sldId id="287"/>
             <p14:sldId id="288"/>
@@ -3546,7 +3552,7 @@
           <a:p>
             <a:fld id="{66907B59-4645-C54B-8DF0-15B3DFA298BB}" type="datetimeFigureOut">
               <a:rPr lang="en-US" smtClean="0"/>
-              <a:t>11/14/19</a:t>
+              <a:t>11/18/19</a:t>
             </a:fld>
             <a:endParaRPr lang="en-US"/>
           </a:p>
@@ -3962,7 +3968,7 @@
           <a:p>
             <a:fld id="{766C6F04-8709-2A46-ACB5-99ACA6D3D3E5}" type="slidenum">
               <a:rPr lang="en-US" smtClean="0"/>
-              <a:t>13</a:t>
+              <a:t>16</a:t>
             </a:fld>
             <a:endParaRPr lang="en-US"/>
           </a:p>
@@ -4046,7 +4052,7 @@
           <a:p>
             <a:fld id="{766C6F04-8709-2A46-ACB5-99ACA6D3D3E5}" type="slidenum">
               <a:rPr lang="en-US" smtClean="0"/>
-              <a:t>14</a:t>
+              <a:t>17</a:t>
             </a:fld>
             <a:endParaRPr lang="en-US"/>
           </a:p>
@@ -4470,7 +4476,7 @@
           <a:p>
             <a:fld id="{766C6F04-8709-2A46-ACB5-99ACA6D3D3E5}" type="slidenum">
               <a:rPr lang="en-US" smtClean="0"/>
-              <a:t>6</a:t>
+              <a:t>8</a:t>
             </a:fld>
             <a:endParaRPr lang="en-US"/>
           </a:p>
@@ -4558,7 +4564,7 @@
           <a:p>
             <a:fld id="{766C6F04-8709-2A46-ACB5-99ACA6D3D3E5}" type="slidenum">
               <a:rPr lang="en-US" smtClean="0"/>
-              <a:t>7</a:t>
+              <a:t>9</a:t>
             </a:fld>
             <a:endParaRPr lang="en-US"/>
           </a:p>
@@ -4642,7 +4648,7 @@
           <a:p>
             <a:fld id="{766C6F04-8709-2A46-ACB5-99ACA6D3D3E5}" type="slidenum">
               <a:rPr lang="en-US" smtClean="0"/>
-              <a:t>11</a:t>
+              <a:t>14</a:t>
             </a:fld>
             <a:endParaRPr lang="en-US"/>
           </a:p>
@@ -4726,7 +4732,7 @@
           <a:p>
             <a:fld id="{766C6F04-8709-2A46-ACB5-99ACA6D3D3E5}" type="slidenum">
               <a:rPr lang="en-US" smtClean="0"/>
-              <a:t>12</a:t>
+              <a:t>15</a:t>
             </a:fld>
             <a:endParaRPr lang="en-US"/>
           </a:p>
@@ -4901,7 +4907,7 @@
             <a:fld id="{B61BEF0D-F0BB-DE4B-95CE-6DB70DBA9567}" type="datetimeFigureOut">
               <a:rPr lang="en-US" smtClean="0"/>
               <a:pPr/>
-              <a:t>11/14/19</a:t>
+              <a:t>11/18/19</a:t>
             </a:fld>
             <a:endParaRPr lang="en-US" dirty="0"/>
           </a:p>
@@ -5073,7 +5079,7 @@
             <a:fld id="{B61BEF0D-F0BB-DE4B-95CE-6DB70DBA9567}" type="datetimeFigureOut">
               <a:rPr lang="en-US" smtClean="0"/>
               <a:pPr/>
-              <a:t>11/14/19</a:t>
+              <a:t>11/18/19</a:t>
             </a:fld>
             <a:endParaRPr lang="en-US" dirty="0"/>
           </a:p>
@@ -5255,7 +5261,7 @@
             <a:fld id="{B61BEF0D-F0BB-DE4B-95CE-6DB70DBA9567}" type="datetimeFigureOut">
               <a:rPr lang="en-US" smtClean="0"/>
               <a:pPr/>
-              <a:t>11/14/19</a:t>
+              <a:t>11/18/19</a:t>
             </a:fld>
             <a:endParaRPr lang="en-US" dirty="0"/>
           </a:p>
@@ -5427,7 +5433,7 @@
             <a:fld id="{B61BEF0D-F0BB-DE4B-95CE-6DB70DBA9567}" type="datetimeFigureOut">
               <a:rPr lang="en-US" smtClean="0"/>
               <a:pPr/>
-              <a:t>11/14/19</a:t>
+              <a:t>11/18/19</a:t>
             </a:fld>
             <a:endParaRPr lang="en-US" dirty="0"/>
           </a:p>
@@ -5689,7 +5695,7 @@
             <a:fld id="{B61BEF0D-F0BB-DE4B-95CE-6DB70DBA9567}" type="datetimeFigureOut">
               <a:rPr lang="en-US" smtClean="0"/>
               <a:pPr/>
-              <a:t>11/14/19</a:t>
+              <a:t>11/18/19</a:t>
             </a:fld>
             <a:endParaRPr lang="en-US" dirty="0"/>
           </a:p>
@@ -5923,7 +5929,7 @@
             <a:fld id="{B61BEF0D-F0BB-DE4B-95CE-6DB70DBA9567}" type="datetimeFigureOut">
               <a:rPr lang="en-US" smtClean="0"/>
               <a:pPr/>
-              <a:t>11/14/19</a:t>
+              <a:t>11/18/19</a:t>
             </a:fld>
             <a:endParaRPr lang="en-US" dirty="0"/>
           </a:p>
@@ -6285,7 +6291,7 @@
             <a:fld id="{B61BEF0D-F0BB-DE4B-95CE-6DB70DBA9567}" type="datetimeFigureOut">
               <a:rPr lang="en-US" smtClean="0"/>
               <a:pPr/>
-              <a:t>11/14/19</a:t>
+              <a:t>11/18/19</a:t>
             </a:fld>
             <a:endParaRPr lang="en-US" dirty="0"/>
           </a:p>
@@ -6428,7 +6434,7 @@
             <a:fld id="{B61BEF0D-F0BB-DE4B-95CE-6DB70DBA9567}" type="datetimeFigureOut">
               <a:rPr lang="en-US" smtClean="0"/>
               <a:pPr/>
-              <a:t>11/14/19</a:t>
+              <a:t>11/18/19</a:t>
             </a:fld>
             <a:endParaRPr lang="en-US" dirty="0"/>
           </a:p>
@@ -6525,7 +6531,7 @@
             <a:fld id="{B61BEF0D-F0BB-DE4B-95CE-6DB70DBA9567}" type="datetimeFigureOut">
               <a:rPr lang="en-US" smtClean="0"/>
               <a:pPr/>
-              <a:t>11/14/19</a:t>
+              <a:t>11/18/19</a:t>
             </a:fld>
             <a:endParaRPr lang="en-US" dirty="0"/>
           </a:p>
@@ -6884,7 +6890,7 @@
             <a:fld id="{B61BEF0D-F0BB-DE4B-95CE-6DB70DBA9567}" type="datetimeFigureOut">
               <a:rPr lang="en-US" smtClean="0"/>
               <a:pPr/>
-              <a:t>11/14/19</a:t>
+              <a:t>11/18/19</a:t>
             </a:fld>
             <a:endParaRPr lang="en-US" dirty="0"/>
           </a:p>
@@ -7209,7 +7215,7 @@
             <a:fld id="{B61BEF0D-F0BB-DE4B-95CE-6DB70DBA9567}" type="datetimeFigureOut">
               <a:rPr lang="en-US" smtClean="0"/>
               <a:pPr/>
-              <a:t>11/14/19</a:t>
+              <a:t>11/18/19</a:t>
             </a:fld>
             <a:endParaRPr lang="en-US" dirty="0"/>
           </a:p>
@@ -7456,7 +7462,7 @@
             <a:fld id="{B61BEF0D-F0BB-DE4B-95CE-6DB70DBA9567}" type="datetimeFigureOut">
               <a:rPr lang="en-US" smtClean="0"/>
               <a:pPr/>
-              <a:t>11/14/19</a:t>
+              <a:t>11/18/19</a:t>
             </a:fld>
             <a:endParaRPr lang="en-US" dirty="0"/>
           </a:p>
@@ -8025,6 +8031,510 @@
           <p:cNvPr id="2" name="Title 1">
             <a:extLst>
               <a:ext uri="{FF2B5EF4-FFF2-40B4-BE49-F238E27FC236}">
+                <a16:creationId xmlns:a16="http://schemas.microsoft.com/office/drawing/2014/main" id="{448ED059-98E8-034B-8E8B-0E732BE2E93E}"/>
+              </a:ext>
+            </a:extLst>
+          </p:cNvPr>
+          <p:cNvSpPr>
+            <a:spLocks noGrp="1"/>
+          </p:cNvSpPr>
+          <p:nvPr>
+            <p:ph type="title"/>
+          </p:nvPr>
+        </p:nvSpPr>
+        <p:spPr>
+          <a:xfrm>
+            <a:off x="2231136" y="964692"/>
+            <a:ext cx="7729728" cy="1188720"/>
+          </a:xfrm>
+        </p:spPr>
+        <p:txBody>
+          <a:bodyPr/>
+          <a:lstStyle/>
+          <a:p>
+            <a:r>
+              <a:rPr lang="en-US"/>
+              <a:t>cost function definition</a:t>
+            </a:r>
+            <a:endParaRPr lang="en-US" dirty="0"/>
+          </a:p>
+        </p:txBody>
+      </p:sp>
+      <p:pic>
+        <p:nvPicPr>
+          <p:cNvPr id="1025" name="Picture 1" descr="MSE &#10;Inputs ">
+            <a:extLst>
+              <a:ext uri="{FF2B5EF4-FFF2-40B4-BE49-F238E27FC236}">
+                <a16:creationId xmlns:a16="http://schemas.microsoft.com/office/drawing/2014/main" id="{3FBDBB87-98FE-3F47-B29B-D245D0FB2693}"/>
+              </a:ext>
+            </a:extLst>
+          </p:cNvPr>
+          <p:cNvPicPr>
+            <a:picLocks noGrp="1" noChangeAspect="1" noChangeArrowheads="1"/>
+          </p:cNvPicPr>
+          <p:nvPr>
+            <p:ph idx="1"/>
+          </p:nvPr>
+        </p:nvPicPr>
+        <p:blipFill>
+          <a:blip r:embed="rId2">
+            <a:extLst>
+              <a:ext uri="{28A0092B-C50C-407E-A947-70E740481C1C}">
+                <a14:useLocalDpi xmlns:a14="http://schemas.microsoft.com/office/drawing/2010/main" val="0"/>
+              </a:ext>
+            </a:extLst>
+          </a:blip>
+          <a:srcRect/>
+          <a:stretch>
+            <a:fillRect/>
+          </a:stretch>
+        </p:blipFill>
+        <p:spPr bwMode="auto">
+          <a:xfrm>
+            <a:off x="2231136" y="2678766"/>
+            <a:ext cx="4139704" cy="2901763"/>
+          </a:xfrm>
+          <a:prstGeom prst="rect">
+            <a:avLst/>
+          </a:prstGeom>
+          <a:noFill/>
+          <a:extLst>
+            <a:ext uri="{909E8E84-426E-40DD-AFC4-6F175D3DCCD1}">
+              <a14:hiddenFill xmlns:a14="http://schemas.microsoft.com/office/drawing/2010/main">
+                <a:solidFill>
+                  <a:srgbClr val="FFFFFF"/>
+                </a:solidFill>
+              </a14:hiddenFill>
+            </a:ext>
+          </a:extLst>
+        </p:spPr>
+      </p:pic>
+      <p:sp>
+        <p:nvSpPr>
+          <p:cNvPr id="4" name="TextBox 3">
+            <a:extLst>
+              <a:ext uri="{FF2B5EF4-FFF2-40B4-BE49-F238E27FC236}">
+                <a16:creationId xmlns:a16="http://schemas.microsoft.com/office/drawing/2014/main" id="{27FD97C6-26D0-3E4F-BA05-03A7E07C0055}"/>
+              </a:ext>
+            </a:extLst>
+          </p:cNvPr>
+          <p:cNvSpPr txBox="1"/>
+          <p:nvPr/>
+        </p:nvSpPr>
+        <p:spPr>
+          <a:xfrm>
+            <a:off x="6725869" y="2918010"/>
+            <a:ext cx="3977990" cy="1938992"/>
+          </a:xfrm>
+          <a:prstGeom prst="rect">
+            <a:avLst/>
+          </a:prstGeom>
+          <a:noFill/>
+        </p:spPr>
+        <p:txBody>
+          <a:bodyPr wrap="square" rtlCol="0">
+            <a:spAutoFit/>
+          </a:bodyPr>
+          <a:lstStyle/>
+          <a:p>
+            <a:r>
+              <a:rPr lang="en-US" sz="2000" b="1" dirty="0"/>
+              <a:t>Mean Squared Error</a:t>
+            </a:r>
+          </a:p>
+          <a:p>
+            <a:endParaRPr lang="en-US" sz="2000" dirty="0"/>
+          </a:p>
+          <a:p>
+            <a:pPr marL="342900" indent="-342900">
+              <a:buFont typeface="Arial" panose="020B0604020202020204" pitchFamily="34" charset="0"/>
+              <a:buChar char="•"/>
+            </a:pPr>
+            <a:r>
+              <a:rPr lang="en-US" sz="2000" dirty="0"/>
+              <a:t>One of the simple cost function.</a:t>
+            </a:r>
+          </a:p>
+          <a:p>
+            <a:pPr marL="342900" indent="-342900">
+              <a:buFont typeface="Arial" panose="020B0604020202020204" pitchFamily="34" charset="0"/>
+              <a:buChar char="•"/>
+            </a:pPr>
+            <a:r>
+              <a:rPr lang="en-US" sz="2000" dirty="0"/>
+              <a:t>Measures the averaged square error between the predicted and actual values</a:t>
+            </a:r>
+          </a:p>
+        </p:txBody>
+      </p:sp>
+    </p:spTree>
+    <p:extLst>
+      <p:ext uri="{BB962C8B-B14F-4D97-AF65-F5344CB8AC3E}">
+        <p14:creationId xmlns:p14="http://schemas.microsoft.com/office/powerpoint/2010/main" val="1460231966"/>
+      </p:ext>
+    </p:extLst>
+  </p:cSld>
+  <p:clrMapOvr>
+    <a:masterClrMapping/>
+  </p:clrMapOvr>
+</p:sld>
+</file>
+
+<file path=ppt/slides/slide11.xml><?xml version="1.0" encoding="utf-8"?>
+<p:sld xmlns:a="http://schemas.openxmlformats.org/drawingml/2006/main" xmlns:r="http://schemas.openxmlformats.org/officeDocument/2006/relationships" xmlns:p="http://schemas.openxmlformats.org/presentationml/2006/main">
+  <p:cSld>
+    <p:bg>
+      <p:bgPr>
+        <a:solidFill>
+          <a:schemeClr val="bg1">
+            <a:lumMod val="95000"/>
+          </a:schemeClr>
+        </a:solidFill>
+        <a:effectLst/>
+      </p:bgPr>
+    </p:bg>
+    <p:spTree>
+      <p:nvGrpSpPr>
+        <p:cNvPr id="1" name=""/>
+        <p:cNvGrpSpPr/>
+        <p:nvPr/>
+      </p:nvGrpSpPr>
+      <p:grpSpPr>
+        <a:xfrm>
+          <a:off x="0" y="0"/>
+          <a:ext cx="0" cy="0"/>
+          <a:chOff x="0" y="0"/>
+          <a:chExt cx="0" cy="0"/>
+        </a:xfrm>
+      </p:grpSpPr>
+      <p:sp>
+        <p:nvSpPr>
+          <p:cNvPr id="2" name="Title 1">
+            <a:extLst>
+              <a:ext uri="{FF2B5EF4-FFF2-40B4-BE49-F238E27FC236}">
+                <a16:creationId xmlns:a16="http://schemas.microsoft.com/office/drawing/2014/main" id="{E99C8CBB-974C-9644-AE33-3779E019383D}"/>
+              </a:ext>
+            </a:extLst>
+          </p:cNvPr>
+          <p:cNvSpPr>
+            <a:spLocks noGrp="1"/>
+          </p:cNvSpPr>
+          <p:nvPr>
+            <p:ph type="title"/>
+          </p:nvPr>
+        </p:nvSpPr>
+        <p:spPr>
+          <a:xfrm>
+            <a:off x="804672" y="964692"/>
+            <a:ext cx="3066937" cy="1188720"/>
+          </a:xfrm>
+        </p:spPr>
+        <p:txBody>
+          <a:bodyPr vert="horz" lIns="182880" tIns="182880" rIns="182880" bIns="182880" rtlCol="0" anchor="ctr">
+            <a:normAutofit/>
+          </a:bodyPr>
+          <a:lstStyle/>
+          <a:p>
+            <a:r>
+              <a:rPr lang="en-US" dirty="0"/>
+              <a:t>models</a:t>
+            </a:r>
+          </a:p>
+        </p:txBody>
+      </p:sp>
+      <p:sp>
+        <p:nvSpPr>
+          <p:cNvPr id="3" name="Content Placeholder 2">
+            <a:extLst>
+              <a:ext uri="{FF2B5EF4-FFF2-40B4-BE49-F238E27FC236}">
+                <a16:creationId xmlns:a16="http://schemas.microsoft.com/office/drawing/2014/main" id="{4E989DE7-DFB2-374A-B8DC-20E5744F94FB}"/>
+              </a:ext>
+            </a:extLst>
+          </p:cNvPr>
+          <p:cNvSpPr>
+            <a:spLocks noGrp="1"/>
+          </p:cNvSpPr>
+          <p:nvPr>
+            <p:ph sz="half" idx="1"/>
+          </p:nvPr>
+        </p:nvSpPr>
+        <p:spPr>
+          <a:xfrm>
+            <a:off x="803244" y="2638044"/>
+            <a:ext cx="3063765" cy="3263206"/>
+          </a:xfrm>
+        </p:spPr>
+        <p:txBody>
+          <a:bodyPr vert="horz" lIns="91440" tIns="45720" rIns="91440" bIns="45720" rtlCol="0">
+            <a:normAutofit/>
+          </a:bodyPr>
+          <a:lstStyle/>
+          <a:p>
+            <a:pPr>
+              <a:lnSpc>
+                <a:spcPct val="90000"/>
+              </a:lnSpc>
+            </a:pPr>
+            <a:r>
+              <a:rPr lang="en-US" b="1" dirty="0"/>
+              <a:t>Latent Factor Based or Matrix Factorization (Embedding Model using </a:t>
+            </a:r>
+            <a:r>
+              <a:rPr lang="en-US" b="1"/>
+              <a:t>Keras</a:t>
+            </a:r>
+            <a:r>
+              <a:rPr lang="en-US" b="1" dirty="0"/>
+              <a:t>) has the following structure</a:t>
+            </a:r>
+            <a:endParaRPr lang="en-US" b="1"/>
+          </a:p>
+          <a:p>
+            <a:pPr marL="571500" lvl="1">
+              <a:lnSpc>
+                <a:spcPct val="90000"/>
+              </a:lnSpc>
+            </a:pPr>
+            <a:r>
+              <a:rPr lang="en-US" dirty="0"/>
+              <a:t>Input for both books and users</a:t>
+            </a:r>
+            <a:endParaRPr lang="en-US"/>
+          </a:p>
+          <a:p>
+            <a:pPr marL="571500" lvl="1">
+              <a:lnSpc>
+                <a:spcPct val="90000"/>
+              </a:lnSpc>
+            </a:pPr>
+            <a:r>
+              <a:rPr lang="en-US" dirty="0"/>
+              <a:t>Embeddings for books and users</a:t>
+            </a:r>
+            <a:endParaRPr lang="en-US"/>
+          </a:p>
+          <a:p>
+            <a:pPr marL="571500" lvl="1">
+              <a:lnSpc>
+                <a:spcPct val="90000"/>
+              </a:lnSpc>
+            </a:pPr>
+            <a:r>
+              <a:rPr lang="en-US" dirty="0"/>
+              <a:t>Combines embeddings using a dot product</a:t>
+            </a:r>
+            <a:endParaRPr lang="en-US"/>
+          </a:p>
+          <a:p>
+            <a:pPr lvl="1">
+              <a:lnSpc>
+                <a:spcPct val="90000"/>
+              </a:lnSpc>
+            </a:pPr>
+            <a:endParaRPr lang="en-US" b="1"/>
+          </a:p>
+          <a:p>
+            <a:pPr>
+              <a:lnSpc>
+                <a:spcPct val="90000"/>
+              </a:lnSpc>
+            </a:pPr>
+            <a:endParaRPr lang="en-US"/>
+          </a:p>
+        </p:txBody>
+      </p:sp>
+      <p:sp>
+        <p:nvSpPr>
+          <p:cNvPr id="13" name="Rectangle 12">
+            <a:extLst>
+              <a:ext uri="{FF2B5EF4-FFF2-40B4-BE49-F238E27FC236}">
+                <a16:creationId xmlns:a16="http://schemas.microsoft.com/office/drawing/2014/main" id="{3BBEBD03-E4CE-4B72-8DF2-6E737BDDFBD4}"/>
+              </a:ext>
+              <a:ext uri="{C183D7F6-B498-43B3-948B-1728B52AA6E4}">
+                <adec:decorative xmlns:adec="http://schemas.microsoft.com/office/drawing/2017/decorative" val="1"/>
+              </a:ext>
+            </a:extLst>
+          </p:cNvPr>
+          <p:cNvSpPr>
+            <a:spLocks noGrp="1" noRot="1" noChangeAspect="1" noMove="1" noResize="1" noEditPoints="1" noAdjustHandles="1" noChangeArrowheads="1" noChangeShapeType="1" noTextEdit="1"/>
+          </p:cNvSpPr>
+          <p:nvPr>
+            <p:extLst>
+              <p:ext uri="{386F3935-93C4-4BCD-93E2-E3B085C9AB24}">
+                <p16:designElem xmlns:p16="http://schemas.microsoft.com/office/powerpoint/2015/main" val="1"/>
+              </p:ext>
+            </p:extLst>
+          </p:nvPr>
+        </p:nvSpPr>
+        <p:spPr>
+          <a:xfrm>
+            <a:off x="4494182" y="964692"/>
+            <a:ext cx="6885432" cy="4936558"/>
+          </a:xfrm>
+          <a:prstGeom prst="rect">
+            <a:avLst/>
+          </a:prstGeom>
+          <a:noFill/>
+          <a:ln w="31750" cap="sq">
+            <a:solidFill>
+              <a:srgbClr val="FFFFFF"/>
+            </a:solidFill>
+            <a:miter lim="800000"/>
+          </a:ln>
+        </p:spPr>
+        <p:style>
+          <a:lnRef idx="2">
+            <a:schemeClr val="accent1">
+              <a:shade val="50000"/>
+            </a:schemeClr>
+          </a:lnRef>
+          <a:fillRef idx="1">
+            <a:schemeClr val="accent1"/>
+          </a:fillRef>
+          <a:effectRef idx="0">
+            <a:schemeClr val="accent1"/>
+          </a:effectRef>
+          <a:fontRef idx="minor">
+            <a:schemeClr val="lt1"/>
+          </a:fontRef>
+        </p:style>
+        <p:txBody>
+          <a:bodyPr rtlCol="0" anchor="ctr"/>
+          <a:lstStyle/>
+          <a:p>
+            <a:pPr algn="ctr"/>
+            <a:endParaRPr lang="en-US" dirty="0"/>
+          </a:p>
+        </p:txBody>
+      </p:sp>
+      <p:sp>
+        <p:nvSpPr>
+          <p:cNvPr id="15" name="Rectangle 14">
+            <a:extLst>
+              <a:ext uri="{FF2B5EF4-FFF2-40B4-BE49-F238E27FC236}">
+                <a16:creationId xmlns:a16="http://schemas.microsoft.com/office/drawing/2014/main" id="{77221359-7E5B-428B-8817-A7C5104279C4}"/>
+              </a:ext>
+              <a:ext uri="{C183D7F6-B498-43B3-948B-1728B52AA6E4}">
+                <adec:decorative xmlns:adec="http://schemas.microsoft.com/office/drawing/2017/decorative" val="1"/>
+              </a:ext>
+            </a:extLst>
+          </p:cNvPr>
+          <p:cNvSpPr>
+            <a:spLocks noGrp="1" noRot="1" noChangeAspect="1" noMove="1" noResize="1" noEditPoints="1" noAdjustHandles="1" noChangeArrowheads="1" noChangeShapeType="1" noTextEdit="1"/>
+          </p:cNvSpPr>
+          <p:nvPr>
+            <p:extLst>
+              <p:ext uri="{386F3935-93C4-4BCD-93E2-E3B085C9AB24}">
+                <p16:designElem xmlns:p16="http://schemas.microsoft.com/office/powerpoint/2015/main" val="1"/>
+              </p:ext>
+            </p:extLst>
+          </p:nvPr>
+        </p:nvSpPr>
+        <p:spPr>
+          <a:xfrm>
+            <a:off x="4657802" y="1128683"/>
+            <a:ext cx="6558192" cy="4608576"/>
+          </a:xfrm>
+          <a:prstGeom prst="rect">
+            <a:avLst/>
+          </a:prstGeom>
+          <a:solidFill>
+            <a:srgbClr val="FFFFFF"/>
+          </a:solidFill>
+          <a:ln>
+            <a:noFill/>
+          </a:ln>
+        </p:spPr>
+        <p:style>
+          <a:lnRef idx="2">
+            <a:schemeClr val="accent1">
+              <a:shade val="50000"/>
+            </a:schemeClr>
+          </a:lnRef>
+          <a:fillRef idx="1">
+            <a:schemeClr val="accent1"/>
+          </a:fillRef>
+          <a:effectRef idx="0">
+            <a:schemeClr val="accent1"/>
+          </a:effectRef>
+          <a:fontRef idx="minor">
+            <a:schemeClr val="lt1"/>
+          </a:fontRef>
+        </p:style>
+        <p:txBody>
+          <a:bodyPr rtlCol="0" anchor="ctr"/>
+          <a:lstStyle/>
+          <a:p>
+            <a:pPr algn="ctr"/>
+            <a:endParaRPr lang="en-US"/>
+          </a:p>
+        </p:txBody>
+      </p:sp>
+      <p:pic>
+        <p:nvPicPr>
+          <p:cNvPr id="8" name="Picture 7" descr="A screenshot of a social media post&#10;&#10;Description automatically generated">
+            <a:extLst>
+              <a:ext uri="{FF2B5EF4-FFF2-40B4-BE49-F238E27FC236}">
+                <a16:creationId xmlns:a16="http://schemas.microsoft.com/office/drawing/2014/main" id="{751B6808-2222-494F-B112-5AFDFC2D41ED}"/>
+              </a:ext>
+            </a:extLst>
+          </p:cNvPr>
+          <p:cNvPicPr>
+            <a:picLocks noChangeAspect="1"/>
+          </p:cNvPicPr>
+          <p:nvPr/>
+        </p:nvPicPr>
+        <p:blipFill>
+          <a:blip r:embed="rId2"/>
+          <a:stretch>
+            <a:fillRect/>
+          </a:stretch>
+        </p:blipFill>
+        <p:spPr>
+          <a:xfrm>
+            <a:off x="4823366" y="2125288"/>
+            <a:ext cx="6227064" cy="2615366"/>
+          </a:xfrm>
+          <a:prstGeom prst="rect">
+            <a:avLst/>
+          </a:prstGeom>
+        </p:spPr>
+      </p:pic>
+    </p:spTree>
+    <p:extLst>
+      <p:ext uri="{BB962C8B-B14F-4D97-AF65-F5344CB8AC3E}">
+        <p14:creationId xmlns:p14="http://schemas.microsoft.com/office/powerpoint/2010/main" val="2707971681"/>
+      </p:ext>
+    </p:extLst>
+  </p:cSld>
+  <p:clrMapOvr>
+    <a:masterClrMapping/>
+  </p:clrMapOvr>
+</p:sld>
+</file>
+
+<file path=ppt/slides/slide12.xml><?xml version="1.0" encoding="utf-8"?>
+<p:sld xmlns:a="http://schemas.openxmlformats.org/drawingml/2006/main" xmlns:r="http://schemas.openxmlformats.org/officeDocument/2006/relationships" xmlns:p="http://schemas.openxmlformats.org/presentationml/2006/main">
+  <p:cSld>
+    <p:spTree>
+      <p:nvGrpSpPr>
+        <p:cNvPr id="1" name=""/>
+        <p:cNvGrpSpPr/>
+        <p:nvPr/>
+      </p:nvGrpSpPr>
+      <p:grpSpPr>
+        <a:xfrm>
+          <a:off x="0" y="0"/>
+          <a:ext cx="0" cy="0"/>
+          <a:chOff x="0" y="0"/>
+          <a:chExt cx="0" cy="0"/>
+        </a:xfrm>
+      </p:grpSpPr>
+      <p:sp>
+        <p:nvSpPr>
+          <p:cNvPr id="2" name="Title 1">
+            <a:extLst>
+              <a:ext uri="{FF2B5EF4-FFF2-40B4-BE49-F238E27FC236}">
                 <a16:creationId xmlns:a16="http://schemas.microsoft.com/office/drawing/2014/main" id="{2AF8A1CF-64DE-DE40-B1A7-FDB59CF6621A}"/>
               </a:ext>
             </a:extLst>
@@ -8064,7 +8574,12 @@
             <p:ph sz="half" idx="1"/>
           </p:nvPr>
         </p:nvSpPr>
-        <p:spPr/>
+        <p:spPr>
+          <a:xfrm>
+            <a:off x="2231136" y="2810315"/>
+            <a:ext cx="4271771" cy="3101982"/>
+          </a:xfrm>
+        </p:spPr>
         <p:txBody>
           <a:bodyPr/>
           <a:lstStyle/>
@@ -8077,21 +8592,21 @@
           <a:p>
             <a:pPr lvl="1"/>
             <a:r>
-              <a:rPr lang="en-US" dirty="0"/>
+              <a:rPr lang="en-US" sz="1800" dirty="0"/>
               <a:t>Using two layers</a:t>
             </a:r>
           </a:p>
           <a:p>
             <a:pPr lvl="1"/>
             <a:r>
-              <a:rPr lang="en-US" dirty="0"/>
-              <a:t>Communication in both directions, not between neurons</a:t>
+              <a:rPr lang="en-US" sz="1800" dirty="0"/>
+              <a:t>Communication in both directions, not between neurons in the same layer</a:t>
             </a:r>
           </a:p>
           <a:p>
             <a:pPr lvl="1"/>
             <a:r>
-              <a:rPr lang="en-US" dirty="0"/>
+              <a:rPr lang="en-US" sz="1800" dirty="0"/>
               <a:t>Learned of the probability of distribution of book ratings</a:t>
             </a:r>
           </a:p>
@@ -8139,7 +8654,114 @@
 </p:sld>
 </file>
 
-<file path=ppt/slides/slide11.xml><?xml version="1.0" encoding="utf-8"?>
+<file path=ppt/slides/slide13.xml><?xml version="1.0" encoding="utf-8"?>
+<p:sld xmlns:a="http://schemas.openxmlformats.org/drawingml/2006/main" xmlns:r="http://schemas.openxmlformats.org/officeDocument/2006/relationships" xmlns:p="http://schemas.openxmlformats.org/presentationml/2006/main">
+  <p:cSld>
+    <p:bg>
+      <p:bgPr>
+        <a:solidFill>
+          <a:schemeClr val="bg1">
+            <a:lumMod val="95000"/>
+          </a:schemeClr>
+        </a:solidFill>
+        <a:effectLst/>
+      </p:bgPr>
+    </p:bg>
+    <p:spTree>
+      <p:nvGrpSpPr>
+        <p:cNvPr id="1" name=""/>
+        <p:cNvGrpSpPr/>
+        <p:nvPr/>
+      </p:nvGrpSpPr>
+      <p:grpSpPr>
+        <a:xfrm>
+          <a:off x="0" y="0"/>
+          <a:ext cx="0" cy="0"/>
+          <a:chOff x="0" y="0"/>
+          <a:chExt cx="0" cy="0"/>
+        </a:xfrm>
+      </p:grpSpPr>
+      <p:sp>
+        <p:nvSpPr>
+          <p:cNvPr id="2" name="Title 1">
+            <a:extLst>
+              <a:ext uri="{FF2B5EF4-FFF2-40B4-BE49-F238E27FC236}">
+                <a16:creationId xmlns:a16="http://schemas.microsoft.com/office/drawing/2014/main" id="{67D38277-AE24-B045-B4DF-F56B43881BEB}"/>
+              </a:ext>
+            </a:extLst>
+          </p:cNvPr>
+          <p:cNvSpPr>
+            <a:spLocks noGrp="1"/>
+          </p:cNvSpPr>
+          <p:nvPr>
+            <p:ph type="title"/>
+          </p:nvPr>
+        </p:nvSpPr>
+        <p:spPr>
+          <a:xfrm>
+            <a:off x="2231136" y="964692"/>
+            <a:ext cx="7729728" cy="1188720"/>
+          </a:xfrm>
+        </p:spPr>
+        <p:txBody>
+          <a:bodyPr vert="horz" lIns="182880" tIns="182880" rIns="182880" bIns="182880" rtlCol="0" anchor="ctr" anchorCtr="1">
+            <a:normAutofit/>
+          </a:bodyPr>
+          <a:lstStyle/>
+          <a:p>
+            <a:r>
+              <a:rPr lang="en-US"/>
+              <a:t>Results</a:t>
+            </a:r>
+          </a:p>
+        </p:txBody>
+      </p:sp>
+      <p:pic>
+        <p:nvPicPr>
+          <p:cNvPr id="6" name="Content Placeholder 5" descr="A picture containing bird&#10;&#10;Description automatically generated">
+            <a:extLst>
+              <a:ext uri="{FF2B5EF4-FFF2-40B4-BE49-F238E27FC236}">
+                <a16:creationId xmlns:a16="http://schemas.microsoft.com/office/drawing/2014/main" id="{E2DEDCD2-C1D1-4F47-B0D7-ED17F667E0B9}"/>
+              </a:ext>
+            </a:extLst>
+          </p:cNvPr>
+          <p:cNvPicPr>
+            <a:picLocks noGrp="1" noChangeAspect="1"/>
+          </p:cNvPicPr>
+          <p:nvPr>
+            <p:ph sz="half" idx="2"/>
+          </p:nvPr>
+        </p:nvPicPr>
+        <p:blipFill>
+          <a:blip r:embed="rId2"/>
+          <a:stretch>
+            <a:fillRect/>
+          </a:stretch>
+        </p:blipFill>
+        <p:spPr>
+          <a:xfrm>
+            <a:off x="2231136" y="2638044"/>
+            <a:ext cx="7729728" cy="2280270"/>
+          </a:xfrm>
+          <a:prstGeom prst="rect">
+            <a:avLst/>
+          </a:prstGeom>
+        </p:spPr>
+      </p:pic>
+    </p:spTree>
+    <p:extLst>
+      <p:ext uri="{BB962C8B-B14F-4D97-AF65-F5344CB8AC3E}">
+        <p14:creationId xmlns:p14="http://schemas.microsoft.com/office/powerpoint/2010/main" val="506087409"/>
+      </p:ext>
+    </p:extLst>
+  </p:cSld>
+  <p:clrMapOvr>
+    <a:masterClrMapping/>
+  </p:clrMapOvr>
+</p:sld>
+</file>
+
+<file path=ppt/slides/slide14.xml><?xml version="1.0" encoding="utf-8"?>
 <p:sld xmlns:a="http://schemas.openxmlformats.org/drawingml/2006/main" xmlns:r="http://schemas.openxmlformats.org/officeDocument/2006/relationships" xmlns:p="http://schemas.openxmlformats.org/presentationml/2006/main">
   <p:cSld>
     <p:spTree>
@@ -8221,7 +8843,7 @@
             <a:pPr lvl="1"/>
             <a:r>
               <a:rPr lang="en-US" sz="1800" dirty="0"/>
-              <a:t>Retail products</a:t>
+              <a:t>Some retail products</a:t>
             </a:r>
           </a:p>
           <a:p>
@@ -8267,7 +8889,7 @@
 </p:sld>
 </file>
 
-<file path=ppt/slides/slide12.xml><?xml version="1.0" encoding="utf-8"?>
+<file path=ppt/slides/slide15.xml><?xml version="1.0" encoding="utf-8"?>
 <p:sld xmlns:a="http://schemas.openxmlformats.org/drawingml/2006/main" xmlns:r="http://schemas.openxmlformats.org/officeDocument/2006/relationships" xmlns:p="http://schemas.openxmlformats.org/presentationml/2006/main">
   <p:cSld>
     <p:spTree>
@@ -8399,7 +9021,7 @@
 </p:sld>
 </file>
 
-<file path=ppt/slides/slide13.xml><?xml version="1.0" encoding="utf-8"?>
+<file path=ppt/slides/slide16.xml><?xml version="1.0" encoding="utf-8"?>
 <p:sld xmlns:a="http://schemas.openxmlformats.org/drawingml/2006/main" xmlns:r="http://schemas.openxmlformats.org/officeDocument/2006/relationships" xmlns:p="http://schemas.openxmlformats.org/presentationml/2006/main">
   <p:cSld>
     <p:spTree>
@@ -8471,7 +9093,7 @@
 </p:sld>
 </file>
 
-<file path=ppt/slides/slide14.xml><?xml version="1.0" encoding="utf-8"?>
+<file path=ppt/slides/slide17.xml><?xml version="1.0" encoding="utf-8"?>
 <p:sld xmlns:a="http://schemas.openxmlformats.org/drawingml/2006/main" xmlns:r="http://schemas.openxmlformats.org/officeDocument/2006/relationships" xmlns:p="http://schemas.openxmlformats.org/presentationml/2006/main">
   <p:cSld>
     <p:spTree>
@@ -9075,7 +9697,7 @@
               <a:t>It came from </a:t>
             </a:r>
             <a:r>
-              <a:rPr lang="en-US" sz="2200" dirty="0" err="1">
+              <a:rPr lang="en-US" sz="2200" dirty="0">
                 <a:hlinkClick r:id="rId3"/>
               </a:rPr>
               <a:t>github</a:t>
@@ -9145,7 +9767,12 @@
             <p:ph type="title"/>
           </p:nvPr>
         </p:nvSpPr>
-        <p:spPr/>
+        <p:spPr>
+          <a:xfrm>
+            <a:off x="2231136" y="964692"/>
+            <a:ext cx="7729728" cy="1188720"/>
+          </a:xfrm>
+        </p:spPr>
         <p:txBody>
           <a:bodyPr/>
           <a:lstStyle/>
@@ -9173,7 +9800,12 @@
             <p:ph idx="1"/>
           </p:nvPr>
         </p:nvSpPr>
-        <p:spPr/>
+        <p:spPr>
+          <a:xfrm>
+            <a:off x="2231136" y="2638044"/>
+            <a:ext cx="7729728" cy="3101983"/>
+          </a:xfrm>
+        </p:spPr>
         <p:txBody>
           <a:bodyPr>
             <a:normAutofit/>
@@ -9182,38 +9814,46 @@
           <a:p>
             <a:pPr fontAlgn="base"/>
             <a:r>
-              <a:rPr lang="en-US" dirty="0" err="1"/>
+              <a:rPr lang="en-US" sz="2000" dirty="0" err="1"/>
               <a:t>Books.csv</a:t>
             </a:r>
             <a:r>
-              <a:rPr lang="en-US" dirty="0"/>
+              <a:rPr lang="en-US" sz="2000" dirty="0"/>
               <a:t> with metadata for each book. It includes book id, title, author, number of editions, publication year, language, average rating and others</a:t>
             </a:r>
           </a:p>
-          <a:p>
-            <a:pPr fontAlgn="base"/>
-            <a:r>
-              <a:rPr lang="en-US" dirty="0" err="1"/>
-              <a:t>Ratings.csv</a:t>
-            </a:r>
-            <a:r>
-              <a:rPr lang="en-US" dirty="0"/>
-              <a:t> contains the most important variables for this project, user id, book id and rating for books. All these variables are integers, specifically the given rating is into a range from 1 to 5, being 1 for the lowest rates  and 5 for the highest rates for a book.</a:t>
-            </a:r>
-          </a:p>
-          <a:p>
-            <a:pPr fontAlgn="base"/>
-            <a:r>
-              <a:rPr lang="en-US" dirty="0" err="1"/>
-              <a:t>To_read.csv</a:t>
-            </a:r>
-            <a:r>
-              <a:rPr lang="en-US" dirty="0"/>
-              <a:t>, is the file that provides user IDs and the book IDs that the user has already read.</a:t>
-            </a:r>
-          </a:p>
-        </p:txBody>
-      </p:sp>
+        </p:txBody>
+      </p:sp>
+      <p:pic>
+        <p:nvPicPr>
+          <p:cNvPr id="5" name="Picture 4" descr="A screenshot of a cell phone&#10;&#10;Description automatically generated">
+            <a:extLst>
+              <a:ext uri="{FF2B5EF4-FFF2-40B4-BE49-F238E27FC236}">
+                <a16:creationId xmlns:a16="http://schemas.microsoft.com/office/drawing/2014/main" id="{2BE717C9-ED09-634C-8DE9-C93FC66C6924}"/>
+              </a:ext>
+            </a:extLst>
+          </p:cNvPr>
+          <p:cNvPicPr>
+            <a:picLocks noChangeAspect="1"/>
+          </p:cNvPicPr>
+          <p:nvPr/>
+        </p:nvPicPr>
+        <p:blipFill>
+          <a:blip r:embed="rId3"/>
+          <a:stretch>
+            <a:fillRect/>
+          </a:stretch>
+        </p:blipFill>
+        <p:spPr>
+          <a:xfrm>
+            <a:off x="1938528" y="3864321"/>
+            <a:ext cx="8607552" cy="2028987"/>
+          </a:xfrm>
+          <a:prstGeom prst="rect">
+            <a:avLst/>
+          </a:prstGeom>
+        </p:spPr>
+      </p:pic>
     </p:spTree>
     <p:extLst>
       <p:ext uri="{BB962C8B-B14F-4D97-AF65-F5344CB8AC3E}">
@@ -9228,6 +9868,552 @@
 </file>
 
 <file path=ppt/slides/slide6.xml><?xml version="1.0" encoding="utf-8"?>
+<p:sld xmlns:a="http://schemas.openxmlformats.org/drawingml/2006/main" xmlns:r="http://schemas.openxmlformats.org/officeDocument/2006/relationships" xmlns:p="http://schemas.openxmlformats.org/presentationml/2006/main">
+  <p:cSld>
+    <p:bg>
+      <p:bgPr>
+        <a:solidFill>
+          <a:schemeClr val="bg1">
+            <a:lumMod val="95000"/>
+          </a:schemeClr>
+        </a:solidFill>
+        <a:effectLst/>
+      </p:bgPr>
+    </p:bg>
+    <p:spTree>
+      <p:nvGrpSpPr>
+        <p:cNvPr id="1" name=""/>
+        <p:cNvGrpSpPr/>
+        <p:nvPr/>
+      </p:nvGrpSpPr>
+      <p:grpSpPr>
+        <a:xfrm>
+          <a:off x="0" y="0"/>
+          <a:ext cx="0" cy="0"/>
+          <a:chOff x="0" y="0"/>
+          <a:chExt cx="0" cy="0"/>
+        </a:xfrm>
+      </p:grpSpPr>
+      <p:sp>
+        <p:nvSpPr>
+          <p:cNvPr id="2" name="Title 1">
+            <a:extLst>
+              <a:ext uri="{FF2B5EF4-FFF2-40B4-BE49-F238E27FC236}">
+                <a16:creationId xmlns:a16="http://schemas.microsoft.com/office/drawing/2014/main" id="{BD4FE5ED-5705-A144-9352-3FA912F1AAEC}"/>
+              </a:ext>
+            </a:extLst>
+          </p:cNvPr>
+          <p:cNvSpPr>
+            <a:spLocks noGrp="1"/>
+          </p:cNvSpPr>
+          <p:nvPr>
+            <p:ph type="title"/>
+          </p:nvPr>
+        </p:nvSpPr>
+        <p:spPr>
+          <a:xfrm>
+            <a:off x="804672" y="964692"/>
+            <a:ext cx="5894832" cy="1188720"/>
+          </a:xfrm>
+        </p:spPr>
+        <p:txBody>
+          <a:bodyPr>
+            <a:normAutofit/>
+          </a:bodyPr>
+          <a:lstStyle/>
+          <a:p>
+            <a:r>
+              <a:rPr lang="en-US" dirty="0"/>
+              <a:t>Attributes</a:t>
+            </a:r>
+          </a:p>
+        </p:txBody>
+      </p:sp>
+      <p:sp>
+        <p:nvSpPr>
+          <p:cNvPr id="3" name="Content Placeholder 2">
+            <a:extLst>
+              <a:ext uri="{FF2B5EF4-FFF2-40B4-BE49-F238E27FC236}">
+                <a16:creationId xmlns:a16="http://schemas.microsoft.com/office/drawing/2014/main" id="{4EB9FBF6-D9A6-E641-8166-CCD2530170F4}"/>
+              </a:ext>
+            </a:extLst>
+          </p:cNvPr>
+          <p:cNvSpPr>
+            <a:spLocks noGrp="1"/>
+          </p:cNvSpPr>
+          <p:nvPr>
+            <p:ph idx="1"/>
+          </p:nvPr>
+        </p:nvSpPr>
+        <p:spPr>
+          <a:xfrm>
+            <a:off x="803243" y="2638044"/>
+            <a:ext cx="5963317" cy="3263206"/>
+          </a:xfrm>
+        </p:spPr>
+        <p:txBody>
+          <a:bodyPr>
+            <a:normAutofit/>
+          </a:bodyPr>
+          <a:lstStyle/>
+          <a:p>
+            <a:r>
+              <a:rPr lang="en-US" sz="2400" dirty="0" err="1"/>
+              <a:t>To_read.csv</a:t>
+            </a:r>
+            <a:r>
+              <a:rPr lang="en-US" sz="2400" dirty="0"/>
+              <a:t>, is the file that provides user IDs and the book IDs that the user has already read.</a:t>
+            </a:r>
+          </a:p>
+        </p:txBody>
+      </p:sp>
+      <p:sp>
+        <p:nvSpPr>
+          <p:cNvPr id="10" name="Rectangle 9">
+            <a:extLst>
+              <a:ext uri="{FF2B5EF4-FFF2-40B4-BE49-F238E27FC236}">
+                <a16:creationId xmlns:a16="http://schemas.microsoft.com/office/drawing/2014/main" id="{A4CD5757-70DF-4A72-B8BA-D5E5ACAA82A0}"/>
+              </a:ext>
+              <a:ext uri="{C183D7F6-B498-43B3-948B-1728B52AA6E4}">
+                <adec:decorative xmlns:adec="http://schemas.microsoft.com/office/drawing/2017/decorative" val="1"/>
+              </a:ext>
+            </a:extLst>
+          </p:cNvPr>
+          <p:cNvSpPr>
+            <a:spLocks noGrp="1" noRot="1" noChangeAspect="1" noMove="1" noResize="1" noEditPoints="1" noAdjustHandles="1" noChangeArrowheads="1" noChangeShapeType="1" noTextEdit="1"/>
+          </p:cNvSpPr>
+          <p:nvPr>
+            <p:extLst>
+              <p:ext uri="{386F3935-93C4-4BCD-93E2-E3B085C9AB24}">
+                <p16:designElem xmlns:p16="http://schemas.microsoft.com/office/powerpoint/2015/main" val="1"/>
+              </p:ext>
+            </p:extLst>
+          </p:nvPr>
+        </p:nvSpPr>
+        <p:spPr>
+          <a:xfrm>
+            <a:off x="7386706" y="964692"/>
+            <a:ext cx="3986784" cy="4936558"/>
+          </a:xfrm>
+          <a:prstGeom prst="rect">
+            <a:avLst/>
+          </a:prstGeom>
+          <a:noFill/>
+          <a:ln w="31750" cap="sq">
+            <a:solidFill>
+              <a:srgbClr val="FFFFFF"/>
+            </a:solidFill>
+            <a:miter lim="800000"/>
+          </a:ln>
+        </p:spPr>
+        <p:style>
+          <a:lnRef idx="2">
+            <a:schemeClr val="accent1">
+              <a:shade val="50000"/>
+            </a:schemeClr>
+          </a:lnRef>
+          <a:fillRef idx="1">
+            <a:schemeClr val="accent1"/>
+          </a:fillRef>
+          <a:effectRef idx="0">
+            <a:schemeClr val="accent1"/>
+          </a:effectRef>
+          <a:fontRef idx="minor">
+            <a:schemeClr val="lt1"/>
+          </a:fontRef>
+        </p:style>
+        <p:txBody>
+          <a:bodyPr rtlCol="0" anchor="ctr"/>
+          <a:lstStyle/>
+          <a:p>
+            <a:pPr algn="ctr"/>
+            <a:endParaRPr lang="en-US" dirty="0"/>
+          </a:p>
+        </p:txBody>
+      </p:sp>
+      <p:sp>
+        <p:nvSpPr>
+          <p:cNvPr id="12" name="Rectangle 11">
+            <a:extLst>
+              <a:ext uri="{FF2B5EF4-FFF2-40B4-BE49-F238E27FC236}">
+                <a16:creationId xmlns:a16="http://schemas.microsoft.com/office/drawing/2014/main" id="{4EA93A49-7FC9-4173-84F4-14FF7005DE61}"/>
+              </a:ext>
+              <a:ext uri="{C183D7F6-B498-43B3-948B-1728B52AA6E4}">
+                <adec:decorative xmlns:adec="http://schemas.microsoft.com/office/drawing/2017/decorative" val="1"/>
+              </a:ext>
+            </a:extLst>
+          </p:cNvPr>
+          <p:cNvSpPr>
+            <a:spLocks noGrp="1" noRot="1" noChangeAspect="1" noMove="1" noResize="1" noEditPoints="1" noAdjustHandles="1" noChangeArrowheads="1" noChangeShapeType="1" noTextEdit="1"/>
+          </p:cNvSpPr>
+          <p:nvPr>
+            <p:extLst>
+              <p:ext uri="{386F3935-93C4-4BCD-93E2-E3B085C9AB24}">
+                <p16:designElem xmlns:p16="http://schemas.microsoft.com/office/powerpoint/2015/main" val="1"/>
+              </p:ext>
+            </p:extLst>
+          </p:nvPr>
+        </p:nvSpPr>
+        <p:spPr>
+          <a:xfrm>
+            <a:off x="7551298" y="1128683"/>
+            <a:ext cx="3657600" cy="4608576"/>
+          </a:xfrm>
+          <a:prstGeom prst="rect">
+            <a:avLst/>
+          </a:prstGeom>
+          <a:solidFill>
+            <a:srgbClr val="FFFFFF"/>
+          </a:solidFill>
+          <a:ln>
+            <a:noFill/>
+          </a:ln>
+        </p:spPr>
+        <p:style>
+          <a:lnRef idx="2">
+            <a:schemeClr val="accent1">
+              <a:shade val="50000"/>
+            </a:schemeClr>
+          </a:lnRef>
+          <a:fillRef idx="1">
+            <a:schemeClr val="accent1"/>
+          </a:fillRef>
+          <a:effectRef idx="0">
+            <a:schemeClr val="accent1"/>
+          </a:effectRef>
+          <a:fontRef idx="minor">
+            <a:schemeClr val="lt1"/>
+          </a:fontRef>
+        </p:style>
+        <p:txBody>
+          <a:bodyPr rtlCol="0" anchor="ctr"/>
+          <a:lstStyle/>
+          <a:p>
+            <a:pPr algn="ctr"/>
+            <a:endParaRPr lang="en-US"/>
+          </a:p>
+        </p:txBody>
+      </p:sp>
+      <p:pic>
+        <p:nvPicPr>
+          <p:cNvPr id="5" name="Picture 4" descr="A screenshot of a cell phone&#10;&#10;Description automatically generated">
+            <a:extLst>
+              <a:ext uri="{FF2B5EF4-FFF2-40B4-BE49-F238E27FC236}">
+                <a16:creationId xmlns:a16="http://schemas.microsoft.com/office/drawing/2014/main" id="{5A0EC55D-9CBD-6146-B01B-24868D3F7D53}"/>
+              </a:ext>
+            </a:extLst>
+          </p:cNvPr>
+          <p:cNvPicPr>
+            <a:picLocks noChangeAspect="1"/>
+          </p:cNvPicPr>
+          <p:nvPr/>
+        </p:nvPicPr>
+        <p:blipFill>
+          <a:blip r:embed="rId2"/>
+          <a:stretch>
+            <a:fillRect/>
+          </a:stretch>
+        </p:blipFill>
+        <p:spPr>
+          <a:xfrm>
+            <a:off x="7715890" y="1328553"/>
+            <a:ext cx="3328416" cy="4208836"/>
+          </a:xfrm>
+          <a:prstGeom prst="rect">
+            <a:avLst/>
+          </a:prstGeom>
+        </p:spPr>
+      </p:pic>
+    </p:spTree>
+    <p:extLst>
+      <p:ext uri="{BB962C8B-B14F-4D97-AF65-F5344CB8AC3E}">
+        <p14:creationId xmlns:p14="http://schemas.microsoft.com/office/powerpoint/2010/main" val="3251470061"/>
+      </p:ext>
+    </p:extLst>
+  </p:cSld>
+  <p:clrMapOvr>
+    <a:masterClrMapping/>
+  </p:clrMapOvr>
+</p:sld>
+</file>
+
+<file path=ppt/slides/slide7.xml><?xml version="1.0" encoding="utf-8"?>
+<p:sld xmlns:a="http://schemas.openxmlformats.org/drawingml/2006/main" xmlns:r="http://schemas.openxmlformats.org/officeDocument/2006/relationships" xmlns:p="http://schemas.openxmlformats.org/presentationml/2006/main">
+  <p:cSld>
+    <p:bg>
+      <p:bgPr>
+        <a:solidFill>
+          <a:schemeClr val="bg1">
+            <a:lumMod val="95000"/>
+          </a:schemeClr>
+        </a:solidFill>
+        <a:effectLst/>
+      </p:bgPr>
+    </p:bg>
+    <p:spTree>
+      <p:nvGrpSpPr>
+        <p:cNvPr id="1" name=""/>
+        <p:cNvGrpSpPr/>
+        <p:nvPr/>
+      </p:nvGrpSpPr>
+      <p:grpSpPr>
+        <a:xfrm>
+          <a:off x="0" y="0"/>
+          <a:ext cx="0" cy="0"/>
+          <a:chOff x="0" y="0"/>
+          <a:chExt cx="0" cy="0"/>
+        </a:xfrm>
+      </p:grpSpPr>
+      <p:sp>
+        <p:nvSpPr>
+          <p:cNvPr id="2" name="Title 1">
+            <a:extLst>
+              <a:ext uri="{FF2B5EF4-FFF2-40B4-BE49-F238E27FC236}">
+                <a16:creationId xmlns:a16="http://schemas.microsoft.com/office/drawing/2014/main" id="{B4F9EA01-7EBF-FD4B-B2A5-C52C5D9EDC8F}"/>
+              </a:ext>
+            </a:extLst>
+          </p:cNvPr>
+          <p:cNvSpPr>
+            <a:spLocks noGrp="1"/>
+          </p:cNvSpPr>
+          <p:nvPr>
+            <p:ph type="title"/>
+          </p:nvPr>
+        </p:nvSpPr>
+        <p:spPr>
+          <a:xfrm>
+            <a:off x="8312677" y="964692"/>
+            <a:ext cx="3066937" cy="1188720"/>
+          </a:xfrm>
+        </p:spPr>
+        <p:txBody>
+          <a:bodyPr>
+            <a:normAutofit/>
+          </a:bodyPr>
+          <a:lstStyle/>
+          <a:p>
+            <a:r>
+              <a:rPr lang="en-US"/>
+              <a:t>Attributes</a:t>
+            </a:r>
+            <a:endParaRPr lang="en-US" dirty="0"/>
+          </a:p>
+        </p:txBody>
+      </p:sp>
+      <p:sp>
+        <p:nvSpPr>
+          <p:cNvPr id="24" name="Rectangle 23">
+            <a:extLst>
+              <a:ext uri="{FF2B5EF4-FFF2-40B4-BE49-F238E27FC236}">
+                <a16:creationId xmlns:a16="http://schemas.microsoft.com/office/drawing/2014/main" id="{0358FD32-AA91-47A4-9758-8C172B30665A}"/>
+              </a:ext>
+              <a:ext uri="{C183D7F6-B498-43B3-948B-1728B52AA6E4}">
+                <adec:decorative xmlns:adec="http://schemas.microsoft.com/office/drawing/2017/decorative" val="1"/>
+              </a:ext>
+            </a:extLst>
+          </p:cNvPr>
+          <p:cNvSpPr>
+            <a:spLocks noGrp="1" noRot="1" noChangeAspect="1" noMove="1" noResize="1" noEditPoints="1" noAdjustHandles="1" noChangeArrowheads="1" noChangeShapeType="1" noTextEdit="1"/>
+          </p:cNvSpPr>
+          <p:nvPr>
+            <p:extLst>
+              <p:ext uri="{386F3935-93C4-4BCD-93E2-E3B085C9AB24}">
+                <p16:designElem xmlns:p16="http://schemas.microsoft.com/office/powerpoint/2015/main" val="1"/>
+              </p:ext>
+            </p:extLst>
+          </p:nvPr>
+        </p:nvSpPr>
+        <p:spPr>
+          <a:xfrm>
+            <a:off x="814795" y="964692"/>
+            <a:ext cx="6885432" cy="4936558"/>
+          </a:xfrm>
+          <a:prstGeom prst="rect">
+            <a:avLst/>
+          </a:prstGeom>
+          <a:noFill/>
+          <a:ln w="31750" cap="sq">
+            <a:solidFill>
+              <a:srgbClr val="FFFFFF"/>
+            </a:solidFill>
+            <a:miter lim="800000"/>
+          </a:ln>
+        </p:spPr>
+        <p:style>
+          <a:lnRef idx="2">
+            <a:schemeClr val="accent1">
+              <a:shade val="50000"/>
+            </a:schemeClr>
+          </a:lnRef>
+          <a:fillRef idx="1">
+            <a:schemeClr val="accent1"/>
+          </a:fillRef>
+          <a:effectRef idx="0">
+            <a:schemeClr val="accent1"/>
+          </a:effectRef>
+          <a:fontRef idx="minor">
+            <a:schemeClr val="lt1"/>
+          </a:fontRef>
+        </p:style>
+        <p:txBody>
+          <a:bodyPr rtlCol="0" anchor="ctr"/>
+          <a:lstStyle/>
+          <a:p>
+            <a:pPr algn="ctr"/>
+            <a:endParaRPr lang="en-US" dirty="0"/>
+          </a:p>
+        </p:txBody>
+      </p:sp>
+      <p:sp>
+        <p:nvSpPr>
+          <p:cNvPr id="26" name="Rectangle 25">
+            <a:extLst>
+              <a:ext uri="{FF2B5EF4-FFF2-40B4-BE49-F238E27FC236}">
+                <a16:creationId xmlns:a16="http://schemas.microsoft.com/office/drawing/2014/main" id="{86B5B18B-0170-4F1B-BF40-89BD5772C006}"/>
+              </a:ext>
+              <a:ext uri="{C183D7F6-B498-43B3-948B-1728B52AA6E4}">
+                <adec:decorative xmlns:adec="http://schemas.microsoft.com/office/drawing/2017/decorative" val="1"/>
+              </a:ext>
+            </a:extLst>
+          </p:cNvPr>
+          <p:cNvSpPr>
+            <a:spLocks noGrp="1" noRot="1" noChangeAspect="1" noMove="1" noResize="1" noEditPoints="1" noAdjustHandles="1" noChangeArrowheads="1" noChangeShapeType="1" noTextEdit="1"/>
+          </p:cNvSpPr>
+          <p:nvPr>
+            <p:extLst>
+              <p:ext uri="{386F3935-93C4-4BCD-93E2-E3B085C9AB24}">
+                <p16:designElem xmlns:p16="http://schemas.microsoft.com/office/powerpoint/2015/main" val="1"/>
+              </p:ext>
+            </p:extLst>
+          </p:nvPr>
+        </p:nvSpPr>
+        <p:spPr>
+          <a:xfrm>
+            <a:off x="978415" y="1128683"/>
+            <a:ext cx="6558192" cy="4608576"/>
+          </a:xfrm>
+          <a:prstGeom prst="rect">
+            <a:avLst/>
+          </a:prstGeom>
+          <a:solidFill>
+            <a:srgbClr val="FFFFFF"/>
+          </a:solidFill>
+          <a:ln>
+            <a:noFill/>
+          </a:ln>
+        </p:spPr>
+        <p:style>
+          <a:lnRef idx="2">
+            <a:schemeClr val="accent1">
+              <a:shade val="50000"/>
+            </a:schemeClr>
+          </a:lnRef>
+          <a:fillRef idx="1">
+            <a:schemeClr val="accent1"/>
+          </a:fillRef>
+          <a:effectRef idx="0">
+            <a:schemeClr val="accent1"/>
+          </a:effectRef>
+          <a:fontRef idx="minor">
+            <a:schemeClr val="lt1"/>
+          </a:fontRef>
+        </p:style>
+        <p:txBody>
+          <a:bodyPr rtlCol="0" anchor="ctr"/>
+          <a:lstStyle/>
+          <a:p>
+            <a:pPr algn="ctr"/>
+            <a:endParaRPr lang="en-US"/>
+          </a:p>
+        </p:txBody>
+      </p:sp>
+      <p:pic>
+        <p:nvPicPr>
+          <p:cNvPr id="5" name="Picture 4" descr="A close up of a keyboard&#10;&#10;Description automatically generated">
+            <a:extLst>
+              <a:ext uri="{FF2B5EF4-FFF2-40B4-BE49-F238E27FC236}">
+                <a16:creationId xmlns:a16="http://schemas.microsoft.com/office/drawing/2014/main" id="{745CAB0D-6699-B14B-9164-2FB8EC8E9D01}"/>
+              </a:ext>
+            </a:extLst>
+          </p:cNvPr>
+          <p:cNvPicPr>
+            <a:picLocks noChangeAspect="1"/>
+          </p:cNvPicPr>
+          <p:nvPr/>
+        </p:nvPicPr>
+        <p:blipFill>
+          <a:blip r:embed="rId2"/>
+          <a:stretch>
+            <a:fillRect/>
+          </a:stretch>
+        </p:blipFill>
+        <p:spPr>
+          <a:xfrm>
+            <a:off x="2031363" y="1293275"/>
+            <a:ext cx="4452296" cy="4279392"/>
+          </a:xfrm>
+          <a:prstGeom prst="rect">
+            <a:avLst/>
+          </a:prstGeom>
+        </p:spPr>
+      </p:pic>
+      <p:sp>
+        <p:nvSpPr>
+          <p:cNvPr id="3" name="Content Placeholder 2">
+            <a:extLst>
+              <a:ext uri="{FF2B5EF4-FFF2-40B4-BE49-F238E27FC236}">
+                <a16:creationId xmlns:a16="http://schemas.microsoft.com/office/drawing/2014/main" id="{8D1A2FC6-D9E6-024E-9855-1C877769BA06}"/>
+              </a:ext>
+            </a:extLst>
+          </p:cNvPr>
+          <p:cNvSpPr>
+            <a:spLocks noGrp="1"/>
+          </p:cNvSpPr>
+          <p:nvPr>
+            <p:ph idx="1"/>
+          </p:nvPr>
+        </p:nvSpPr>
+        <p:spPr>
+          <a:xfrm>
+            <a:off x="8311249" y="2638044"/>
+            <a:ext cx="3063765" cy="3263206"/>
+          </a:xfrm>
+        </p:spPr>
+        <p:txBody>
+          <a:bodyPr>
+            <a:normAutofit lnSpcReduction="10000"/>
+          </a:bodyPr>
+          <a:lstStyle/>
+          <a:p>
+            <a:r>
+              <a:rPr lang="en-US" sz="2000" dirty="0" err="1"/>
+              <a:t>Ratings.csv</a:t>
+            </a:r>
+            <a:r>
+              <a:rPr lang="en-US" sz="2000" dirty="0"/>
+              <a:t> contains the most important variables for this project, user id, book id and rating for books. All these variables are integers, specifically the given rating is into a range from 1 to 5, being 1 for the lowest rates  and 5 for the highest rates for a book.</a:t>
+            </a:r>
+          </a:p>
+          <a:p>
+            <a:endParaRPr lang="en-US" dirty="0"/>
+          </a:p>
+        </p:txBody>
+      </p:sp>
+    </p:spTree>
+    <p:extLst>
+      <p:ext uri="{BB962C8B-B14F-4D97-AF65-F5344CB8AC3E}">
+        <p14:creationId xmlns:p14="http://schemas.microsoft.com/office/powerpoint/2010/main" val="2734997487"/>
+      </p:ext>
+    </p:extLst>
+  </p:cSld>
+  <p:clrMapOvr>
+    <a:masterClrMapping/>
+  </p:clrMapOvr>
+</p:sld>
+</file>
+
+<file path=ppt/slides/slide8.xml><?xml version="1.0" encoding="utf-8"?>
 <p:sld xmlns:a="http://schemas.openxmlformats.org/drawingml/2006/main" xmlns:r="http://schemas.openxmlformats.org/officeDocument/2006/relationships" xmlns:p="http://schemas.openxmlformats.org/presentationml/2006/main">
   <p:cSld>
     <p:bg>
@@ -9370,7 +10556,7 @@
 </p:sld>
 </file>
 
-<file path=ppt/slides/slide7.xml><?xml version="1.0" encoding="utf-8"?>
+<file path=ppt/slides/slide9.xml><?xml version="1.0" encoding="utf-8"?>
 <p:sld xmlns:a="http://schemas.openxmlformats.org/drawingml/2006/main" xmlns:r="http://schemas.openxmlformats.org/officeDocument/2006/relationships" xmlns:p="http://schemas.openxmlformats.org/presentationml/2006/main">
   <p:cSld>
     <p:spTree>
@@ -10665,328 +11851,6 @@
 </p:sld>
 </file>
 
-<file path=ppt/slides/slide8.xml><?xml version="1.0" encoding="utf-8"?>
-<p:sld xmlns:a="http://schemas.openxmlformats.org/drawingml/2006/main" xmlns:r="http://schemas.openxmlformats.org/officeDocument/2006/relationships" xmlns:p="http://schemas.openxmlformats.org/presentationml/2006/main">
-  <p:cSld>
-    <p:spTree>
-      <p:nvGrpSpPr>
-        <p:cNvPr id="1" name=""/>
-        <p:cNvGrpSpPr/>
-        <p:nvPr/>
-      </p:nvGrpSpPr>
-      <p:grpSpPr>
-        <a:xfrm>
-          <a:off x="0" y="0"/>
-          <a:ext cx="0" cy="0"/>
-          <a:chOff x="0" y="0"/>
-          <a:chExt cx="0" cy="0"/>
-        </a:xfrm>
-      </p:grpSpPr>
-      <p:sp>
-        <p:nvSpPr>
-          <p:cNvPr id="2" name="Title 1">
-            <a:extLst>
-              <a:ext uri="{FF2B5EF4-FFF2-40B4-BE49-F238E27FC236}">
-                <a16:creationId xmlns:a16="http://schemas.microsoft.com/office/drawing/2014/main" id="{448ED059-98E8-034B-8E8B-0E732BE2E93E}"/>
-              </a:ext>
-            </a:extLst>
-          </p:cNvPr>
-          <p:cNvSpPr>
-            <a:spLocks noGrp="1"/>
-          </p:cNvSpPr>
-          <p:nvPr>
-            <p:ph type="title"/>
-          </p:nvPr>
-        </p:nvSpPr>
-        <p:spPr>
-          <a:xfrm>
-            <a:off x="2231136" y="964692"/>
-            <a:ext cx="7729728" cy="1188720"/>
-          </a:xfrm>
-        </p:spPr>
-        <p:txBody>
-          <a:bodyPr/>
-          <a:lstStyle/>
-          <a:p>
-            <a:r>
-              <a:rPr lang="en-US"/>
-              <a:t>cost function definition</a:t>
-            </a:r>
-            <a:endParaRPr lang="en-US" dirty="0"/>
-          </a:p>
-        </p:txBody>
-      </p:sp>
-      <p:pic>
-        <p:nvPicPr>
-          <p:cNvPr id="1025" name="Picture 1" descr="MSE &#10;Inputs ">
-            <a:extLst>
-              <a:ext uri="{FF2B5EF4-FFF2-40B4-BE49-F238E27FC236}">
-                <a16:creationId xmlns:a16="http://schemas.microsoft.com/office/drawing/2014/main" id="{3FBDBB87-98FE-3F47-B29B-D245D0FB2693}"/>
-              </a:ext>
-            </a:extLst>
-          </p:cNvPr>
-          <p:cNvPicPr>
-            <a:picLocks noGrp="1" noChangeAspect="1" noChangeArrowheads="1"/>
-          </p:cNvPicPr>
-          <p:nvPr>
-            <p:ph idx="1"/>
-          </p:nvPr>
-        </p:nvPicPr>
-        <p:blipFill>
-          <a:blip r:embed="rId2">
-            <a:extLst>
-              <a:ext uri="{28A0092B-C50C-407E-A947-70E740481C1C}">
-                <a14:useLocalDpi xmlns:a14="http://schemas.microsoft.com/office/drawing/2010/main" val="0"/>
-              </a:ext>
-            </a:extLst>
-          </a:blip>
-          <a:srcRect/>
-          <a:stretch>
-            <a:fillRect/>
-          </a:stretch>
-        </p:blipFill>
-        <p:spPr bwMode="auto">
-          <a:xfrm>
-            <a:off x="2231136" y="2678766"/>
-            <a:ext cx="4139704" cy="2901763"/>
-          </a:xfrm>
-          <a:prstGeom prst="rect">
-            <a:avLst/>
-          </a:prstGeom>
-          <a:noFill/>
-          <a:extLst>
-            <a:ext uri="{909E8E84-426E-40DD-AFC4-6F175D3DCCD1}">
-              <a14:hiddenFill xmlns:a14="http://schemas.microsoft.com/office/drawing/2010/main">
-                <a:solidFill>
-                  <a:srgbClr val="FFFFFF"/>
-                </a:solidFill>
-              </a14:hiddenFill>
-            </a:ext>
-          </a:extLst>
-        </p:spPr>
-      </p:pic>
-      <p:sp>
-        <p:nvSpPr>
-          <p:cNvPr id="4" name="TextBox 3">
-            <a:extLst>
-              <a:ext uri="{FF2B5EF4-FFF2-40B4-BE49-F238E27FC236}">
-                <a16:creationId xmlns:a16="http://schemas.microsoft.com/office/drawing/2014/main" id="{27FD97C6-26D0-3E4F-BA05-03A7E07C0055}"/>
-              </a:ext>
-            </a:extLst>
-          </p:cNvPr>
-          <p:cNvSpPr txBox="1"/>
-          <p:nvPr/>
-        </p:nvSpPr>
-        <p:spPr>
-          <a:xfrm>
-            <a:off x="6725869" y="2918010"/>
-            <a:ext cx="3977990" cy="1938992"/>
-          </a:xfrm>
-          <a:prstGeom prst="rect">
-            <a:avLst/>
-          </a:prstGeom>
-          <a:noFill/>
-        </p:spPr>
-        <p:txBody>
-          <a:bodyPr wrap="square" rtlCol="0">
-            <a:spAutoFit/>
-          </a:bodyPr>
-          <a:lstStyle/>
-          <a:p>
-            <a:r>
-              <a:rPr lang="en-US" sz="2000" b="1" dirty="0"/>
-              <a:t>Mean Squared Error</a:t>
-            </a:r>
-          </a:p>
-          <a:p>
-            <a:endParaRPr lang="en-US" sz="2000" dirty="0"/>
-          </a:p>
-          <a:p>
-            <a:pPr marL="342900" indent="-342900">
-              <a:buFont typeface="Arial" panose="020B0604020202020204" pitchFamily="34" charset="0"/>
-              <a:buChar char="•"/>
-            </a:pPr>
-            <a:r>
-              <a:rPr lang="en-US" sz="2000" dirty="0"/>
-              <a:t>One of the simple cost function.</a:t>
-            </a:r>
-          </a:p>
-          <a:p>
-            <a:pPr marL="342900" indent="-342900">
-              <a:buFont typeface="Arial" panose="020B0604020202020204" pitchFamily="34" charset="0"/>
-              <a:buChar char="•"/>
-            </a:pPr>
-            <a:r>
-              <a:rPr lang="en-US" sz="2000" dirty="0"/>
-              <a:t>Measures the averaged square error between the predicted and actual values</a:t>
-            </a:r>
-          </a:p>
-        </p:txBody>
-      </p:sp>
-    </p:spTree>
-    <p:extLst>
-      <p:ext uri="{BB962C8B-B14F-4D97-AF65-F5344CB8AC3E}">
-        <p14:creationId xmlns:p14="http://schemas.microsoft.com/office/powerpoint/2010/main" val="1460231966"/>
-      </p:ext>
-    </p:extLst>
-  </p:cSld>
-  <p:clrMapOvr>
-    <a:masterClrMapping/>
-  </p:clrMapOvr>
-</p:sld>
-</file>
-
-<file path=ppt/slides/slide9.xml><?xml version="1.0" encoding="utf-8"?>
-<p:sld xmlns:a="http://schemas.openxmlformats.org/drawingml/2006/main" xmlns:r="http://schemas.openxmlformats.org/officeDocument/2006/relationships" xmlns:p="http://schemas.openxmlformats.org/presentationml/2006/main">
-  <p:cSld>
-    <p:spTree>
-      <p:nvGrpSpPr>
-        <p:cNvPr id="1" name=""/>
-        <p:cNvGrpSpPr/>
-        <p:nvPr/>
-      </p:nvGrpSpPr>
-      <p:grpSpPr>
-        <a:xfrm>
-          <a:off x="0" y="0"/>
-          <a:ext cx="0" cy="0"/>
-          <a:chOff x="0" y="0"/>
-          <a:chExt cx="0" cy="0"/>
-        </a:xfrm>
-      </p:grpSpPr>
-      <p:sp>
-        <p:nvSpPr>
-          <p:cNvPr id="2" name="Title 1">
-            <a:extLst>
-              <a:ext uri="{FF2B5EF4-FFF2-40B4-BE49-F238E27FC236}">
-                <a16:creationId xmlns:a16="http://schemas.microsoft.com/office/drawing/2014/main" id="{E99C8CBB-974C-9644-AE33-3779E019383D}"/>
-              </a:ext>
-            </a:extLst>
-          </p:cNvPr>
-          <p:cNvSpPr>
-            <a:spLocks noGrp="1"/>
-          </p:cNvSpPr>
-          <p:nvPr>
-            <p:ph type="title"/>
-          </p:nvPr>
-        </p:nvSpPr>
-        <p:spPr/>
-        <p:txBody>
-          <a:bodyPr/>
-          <a:lstStyle/>
-          <a:p>
-            <a:r>
-              <a:rPr lang="en-US" dirty="0"/>
-              <a:t>models</a:t>
-            </a:r>
-          </a:p>
-        </p:txBody>
-      </p:sp>
-      <p:sp>
-        <p:nvSpPr>
-          <p:cNvPr id="3" name="Content Placeholder 2">
-            <a:extLst>
-              <a:ext uri="{FF2B5EF4-FFF2-40B4-BE49-F238E27FC236}">
-                <a16:creationId xmlns:a16="http://schemas.microsoft.com/office/drawing/2014/main" id="{4E989DE7-DFB2-374A-B8DC-20E5744F94FB}"/>
-              </a:ext>
-            </a:extLst>
-          </p:cNvPr>
-          <p:cNvSpPr>
-            <a:spLocks noGrp="1"/>
-          </p:cNvSpPr>
-          <p:nvPr>
-            <p:ph idx="1"/>
-          </p:nvPr>
-        </p:nvSpPr>
-        <p:spPr/>
-        <p:txBody>
-          <a:bodyPr>
-            <a:normAutofit lnSpcReduction="10000"/>
-          </a:bodyPr>
-          <a:lstStyle/>
-          <a:p>
-            <a:r>
-              <a:rPr lang="en-US" b="1" dirty="0"/>
-              <a:t>Content Based Recommended Systems (using Matrices)</a:t>
-            </a:r>
-          </a:p>
-          <a:p>
-            <a:pPr lvl="1"/>
-            <a:r>
-              <a:rPr lang="en-US" dirty="0"/>
-              <a:t>Predicting an average rating of 3.5 </a:t>
-            </a:r>
-          </a:p>
-          <a:p>
-            <a:pPr lvl="1"/>
-            <a:r>
-              <a:rPr lang="en-US" dirty="0"/>
-              <a:t>Predicting based on user's average of all books</a:t>
-            </a:r>
-          </a:p>
-          <a:p>
-            <a:pPr lvl="1"/>
-            <a:r>
-              <a:rPr lang="en-US" dirty="0"/>
-              <a:t>Predicting a users 'ratings for a given book based on the average rating all books</a:t>
-            </a:r>
-          </a:p>
-          <a:p>
-            <a:r>
-              <a:rPr lang="en-US" b="1" dirty="0"/>
-              <a:t>Latent Factor Based or Matrix Factorization (Embedding Model using </a:t>
-            </a:r>
-            <a:r>
-              <a:rPr lang="en-US" b="1" dirty="0" err="1"/>
-              <a:t>Keras</a:t>
-            </a:r>
-            <a:r>
-              <a:rPr lang="en-US" b="1" dirty="0"/>
-              <a:t>)</a:t>
-            </a:r>
-          </a:p>
-          <a:p>
-            <a:pPr lvl="1"/>
-            <a:r>
-              <a:rPr lang="en-US" dirty="0"/>
-              <a:t>Input for both books and users</a:t>
-            </a:r>
-          </a:p>
-          <a:p>
-            <a:pPr lvl="1"/>
-            <a:r>
-              <a:rPr lang="en-US" dirty="0"/>
-              <a:t>Embeddings for books and users</a:t>
-            </a:r>
-          </a:p>
-          <a:p>
-            <a:pPr lvl="1"/>
-            <a:r>
-              <a:rPr lang="en-US" dirty="0"/>
-              <a:t>Combines embeddings using a dot product</a:t>
-            </a:r>
-          </a:p>
-          <a:p>
-            <a:pPr lvl="1"/>
-            <a:endParaRPr lang="en-US" b="1" dirty="0"/>
-          </a:p>
-          <a:p>
-            <a:endParaRPr lang="en-US" dirty="0"/>
-          </a:p>
-        </p:txBody>
-      </p:sp>
-    </p:spTree>
-    <p:extLst>
-      <p:ext uri="{BB962C8B-B14F-4D97-AF65-F5344CB8AC3E}">
-        <p14:creationId xmlns:p14="http://schemas.microsoft.com/office/powerpoint/2010/main" val="2707971681"/>
-      </p:ext>
-    </p:extLst>
-  </p:cSld>
-  <p:clrMapOvr>
-    <a:masterClrMapping/>
-  </p:clrMapOvr>
-</p:sld>
-</file>
-
 <file path=ppt/theme/theme1.xml><?xml version="1.0" encoding="utf-8"?>
 <a:theme xmlns:a="http://schemas.openxmlformats.org/drawingml/2006/main" name="Parcel">
   <a:themeElements>

--- a/BookRecommender_prediction/Presentation_BRS.pptx
+++ b/BookRecommender_prediction/Presentation_BRS.pptx
@@ -5,7 +5,7 @@
     <p:sldMasterId id="2147484453" r:id="rId1"/>
   </p:sldMasterIdLst>
   <p:notesMasterIdLst>
-    <p:notesMasterId r:id="rId19"/>
+    <p:notesMasterId r:id="rId20"/>
   </p:notesMasterIdLst>
   <p:sldIdLst>
     <p:sldId id="256" r:id="rId2"/>
@@ -18,13 +18,14 @@
     <p:sldId id="273" r:id="rId9"/>
     <p:sldId id="276" r:id="rId10"/>
     <p:sldId id="294" r:id="rId11"/>
-    <p:sldId id="292" r:id="rId12"/>
-    <p:sldId id="293" r:id="rId13"/>
-    <p:sldId id="296" r:id="rId14"/>
-    <p:sldId id="286" r:id="rId15"/>
-    <p:sldId id="287" r:id="rId16"/>
-    <p:sldId id="288" r:id="rId17"/>
-    <p:sldId id="290" r:id="rId18"/>
+    <p:sldId id="299" r:id="rId12"/>
+    <p:sldId id="292" r:id="rId13"/>
+    <p:sldId id="293" r:id="rId14"/>
+    <p:sldId id="296" r:id="rId15"/>
+    <p:sldId id="286" r:id="rId16"/>
+    <p:sldId id="287" r:id="rId17"/>
+    <p:sldId id="288" r:id="rId18"/>
+    <p:sldId id="290" r:id="rId19"/>
   </p:sldIdLst>
   <p:sldSz cx="12192000" cy="6858000"/>
   <p:notesSz cx="9144000" cy="6858000"/>
@@ -138,6 +139,7 @@
             <p14:sldId id="273"/>
             <p14:sldId id="276"/>
             <p14:sldId id="294"/>
+            <p14:sldId id="299"/>
             <p14:sldId id="292"/>
             <p14:sldId id="293"/>
             <p14:sldId id="296"/>
@@ -1078,16 +1080,25 @@
       </dgm:t>
     </dgm:pt>
     <dgm:pt modelId="{7733B3CD-D191-2B4A-9E2F-435F3C7FFA09}">
-      <dgm:prSet/>
+      <dgm:prSet custT="1"/>
       <dgm:spPr/>
       <dgm:t>
         <a:bodyPr/>
         <a:lstStyle/>
         <a:p>
           <a:r>
-            <a:rPr lang="en-US" dirty="0"/>
-            <a:t>Model Selection</a:t>
+            <a:rPr lang="en-US" sz="2000" dirty="0"/>
+            <a:t>Model</a:t>
           </a:r>
+          <a:r>
+            <a:rPr lang="en-US" sz="2600" dirty="0"/>
+            <a:t> </a:t>
+          </a:r>
+          <a:r>
+            <a:rPr lang="en-US" sz="2000" dirty="0"/>
+            <a:t>Selection</a:t>
+          </a:r>
+          <a:endParaRPr lang="en-US" sz="2600" dirty="0"/>
         </a:p>
       </dgm:t>
     </dgm:pt>
@@ -1114,16 +1125,17 @@
       </dgm:t>
     </dgm:pt>
     <dgm:pt modelId="{B3B69E35-8619-754C-A9A0-3EBDC48556E6}">
-      <dgm:prSet/>
+      <dgm:prSet custT="1"/>
       <dgm:spPr/>
       <dgm:t>
         <a:bodyPr/>
         <a:lstStyle/>
         <a:p>
           <a:r>
-            <a:rPr lang="en-US" dirty="0"/>
+            <a:rPr lang="en-US" sz="2400" dirty="0"/>
             <a:t>Evaluation</a:t>
           </a:r>
+          <a:endParaRPr lang="en-US" sz="3400" dirty="0"/>
         </a:p>
       </dgm:t>
     </dgm:pt>
@@ -1256,10 +1268,76 @@
     <dgm:pt modelId="{395E013D-60C3-BD4E-84C1-16FEBDE6D743}" type="parTrans" cxnId="{5B664B26-9E8C-424B-80E6-B9CA3CA38ADC}">
       <dgm:prSet/>
       <dgm:spPr/>
+      <dgm:t>
+        <a:bodyPr/>
+        <a:lstStyle/>
+        <a:p>
+          <a:endParaRPr lang="en-US"/>
+        </a:p>
+      </dgm:t>
     </dgm:pt>
     <dgm:pt modelId="{C4EFB55E-971C-5D4B-9B17-9C2147BF6D72}" type="sibTrans" cxnId="{5B664B26-9E8C-424B-80E6-B9CA3CA38ADC}">
       <dgm:prSet/>
       <dgm:spPr/>
+      <dgm:t>
+        <a:bodyPr/>
+        <a:lstStyle/>
+        <a:p>
+          <a:endParaRPr lang="en-US"/>
+        </a:p>
+      </dgm:t>
+    </dgm:pt>
+    <dgm:pt modelId="{7F755376-FF5F-2F4F-9CD0-4526CC7640E3}">
+      <dgm:prSet phldrT="[Text]" custT="1"/>
+      <dgm:spPr/>
+      <dgm:t>
+        <a:bodyPr spcFirstLastPara="0" vert="horz" wrap="square" lIns="25400" tIns="25400" rIns="25400" bIns="25400" numCol="1" spcCol="1270" anchor="ctr" anchorCtr="0"/>
+        <a:lstStyle/>
+        <a:p>
+          <a:pPr marL="0" lvl="0" indent="0" algn="ctr" defTabSz="889000">
+            <a:lnSpc>
+              <a:spcPct val="90000"/>
+            </a:lnSpc>
+            <a:spcBef>
+              <a:spcPct val="0"/>
+            </a:spcBef>
+            <a:spcAft>
+              <a:spcPct val="35000"/>
+            </a:spcAft>
+            <a:buNone/>
+          </a:pPr>
+          <a:r>
+            <a:rPr lang="en-US" sz="1800" kern="1200" dirty="0">
+              <a:latin typeface="Gill Sans MT" panose="020B0502020104020203"/>
+              <a:ea typeface="+mn-ea"/>
+              <a:cs typeface="+mn-cs"/>
+            </a:rPr>
+            <a:t>Dataset Reducing</a:t>
+          </a:r>
+        </a:p>
+      </dgm:t>
+    </dgm:pt>
+    <dgm:pt modelId="{D571EFB5-E96D-F542-8BBD-18A03FCA3BBA}" type="parTrans" cxnId="{A394F849-4D24-AA4F-B491-04A9C95A64CA}">
+      <dgm:prSet/>
+      <dgm:spPr/>
+      <dgm:t>
+        <a:bodyPr/>
+        <a:lstStyle/>
+        <a:p>
+          <a:endParaRPr lang="en-US"/>
+        </a:p>
+      </dgm:t>
+    </dgm:pt>
+    <dgm:pt modelId="{9C8C1915-11B4-DB48-9A61-DE92C6778381}" type="sibTrans" cxnId="{A394F849-4D24-AA4F-B491-04A9C95A64CA}">
+      <dgm:prSet/>
+      <dgm:spPr/>
+      <dgm:t>
+        <a:bodyPr/>
+        <a:lstStyle/>
+        <a:p>
+          <a:endParaRPr lang="en-US"/>
+        </a:p>
+      </dgm:t>
     </dgm:pt>
     <dgm:pt modelId="{441589C4-1E50-E543-B91D-7716A143C49B}" type="pres">
       <dgm:prSet presAssocID="{6D1DD161-6F29-DF42-9F4F-183934C32215}" presName="Name0" presStyleCnt="0">
@@ -1301,6 +1379,19 @@
         </a:prstGeom>
       </dgm:spPr>
     </dgm:pt>
+    <dgm:pt modelId="{3AC74BA6-45FC-0B49-8C75-DC31C0384F88}" type="pres">
+      <dgm:prSet presAssocID="{D571EFB5-E96D-F542-8BBD-18A03FCA3BBA}" presName="parTrans" presStyleLbl="sibTrans2D1" presStyleIdx="0" presStyleCnt="4"/>
+      <dgm:spPr/>
+    </dgm:pt>
+    <dgm:pt modelId="{C0763ED9-B0AA-0345-9BDE-6CC81099040C}" type="pres">
+      <dgm:prSet presAssocID="{7F755376-FF5F-2F4F-9CD0-4526CC7640E3}" presName="child" presStyleLbl="alignAccFollowNode1" presStyleIdx="0" presStyleCnt="4">
+        <dgm:presLayoutVars>
+          <dgm:chMax val="0"/>
+          <dgm:bulletEnabled val="1"/>
+        </dgm:presLayoutVars>
+      </dgm:prSet>
+      <dgm:spPr/>
+    </dgm:pt>
     <dgm:pt modelId="{79051EBE-C813-DA4C-B20A-2D11FE077D32}" type="pres">
       <dgm:prSet presAssocID="{0DB64DCA-AFBC-7E48-9EB0-5B6EC947D992}" presName="hSp" presStyleCnt="0"/>
       <dgm:spPr/>
@@ -1314,11 +1405,11 @@
       <dgm:spPr/>
     </dgm:pt>
     <dgm:pt modelId="{E043C9CC-26D2-E04B-9A9E-5985EF574745}" type="pres">
-      <dgm:prSet presAssocID="{395E013D-60C3-BD4E-84C1-16FEBDE6D743}" presName="parTrans" presStyleLbl="sibTrans2D1" presStyleIdx="0" presStyleCnt="3"/>
+      <dgm:prSet presAssocID="{395E013D-60C3-BD4E-84C1-16FEBDE6D743}" presName="parTrans" presStyleLbl="sibTrans2D1" presStyleIdx="1" presStyleCnt="4"/>
       <dgm:spPr/>
     </dgm:pt>
     <dgm:pt modelId="{43713C1B-90AF-074A-B7EE-E19E3113643E}" type="pres">
-      <dgm:prSet presAssocID="{6CA504B8-184F-3C4B-9ADB-BDB00A3560CC}" presName="child" presStyleLbl="alignAccFollowNode1" presStyleIdx="0" presStyleCnt="3">
+      <dgm:prSet presAssocID="{6CA504B8-184F-3C4B-9ADB-BDB00A3560CC}" presName="child" presStyleLbl="alignAccFollowNode1" presStyleIdx="1" presStyleCnt="4">
         <dgm:presLayoutVars>
           <dgm:chMax val="0"/>
           <dgm:bulletEnabled val="1"/>
@@ -1339,11 +1430,11 @@
       <dgm:spPr/>
     </dgm:pt>
     <dgm:pt modelId="{4D476E2A-D2F2-8B4E-97E0-96C94EB5F41D}" type="pres">
-      <dgm:prSet presAssocID="{64C9E8FC-1A5F-9C40-9CAD-C06FDA4ACDB6}" presName="parTrans" presStyleLbl="sibTrans2D1" presStyleIdx="1" presStyleCnt="3"/>
+      <dgm:prSet presAssocID="{64C9E8FC-1A5F-9C40-9CAD-C06FDA4ACDB6}" presName="parTrans" presStyleLbl="sibTrans2D1" presStyleIdx="2" presStyleCnt="4"/>
       <dgm:spPr/>
     </dgm:pt>
     <dgm:pt modelId="{807481D0-F512-8F4E-B92B-F9FFC1C529AA}" type="pres">
-      <dgm:prSet presAssocID="{7733B3CD-D191-2B4A-9E2F-435F3C7FFA09}" presName="child" presStyleLbl="alignAccFollowNode1" presStyleIdx="1" presStyleCnt="3">
+      <dgm:prSet presAssocID="{7733B3CD-D191-2B4A-9E2F-435F3C7FFA09}" presName="child" presStyleLbl="alignAccFollowNode1" presStyleIdx="2" presStyleCnt="4">
         <dgm:presLayoutVars>
           <dgm:chMax val="0"/>
           <dgm:bulletEnabled val="1"/>
@@ -1352,11 +1443,11 @@
       <dgm:spPr/>
     </dgm:pt>
     <dgm:pt modelId="{2197F4C2-DFE5-5D43-A082-8FFF2CCDC038}" type="pres">
-      <dgm:prSet presAssocID="{376E2957-5509-F747-A9D1-6E09D93EB4AC}" presName="sibTrans" presStyleLbl="sibTrans2D1" presStyleIdx="2" presStyleCnt="3"/>
+      <dgm:prSet presAssocID="{376E2957-5509-F747-A9D1-6E09D93EB4AC}" presName="sibTrans" presStyleLbl="sibTrans2D1" presStyleIdx="3" presStyleCnt="4"/>
       <dgm:spPr/>
     </dgm:pt>
     <dgm:pt modelId="{8260E663-7824-8F4E-8CEA-A5C110384855}" type="pres">
-      <dgm:prSet presAssocID="{B3B69E35-8619-754C-A9A0-3EBDC48556E6}" presName="child" presStyleLbl="alignAccFollowNode1" presStyleIdx="2" presStyleCnt="3">
+      <dgm:prSet presAssocID="{B3B69E35-8619-754C-A9A0-3EBDC48556E6}" presName="child" presStyleLbl="alignAccFollowNode1" presStyleIdx="3" presStyleCnt="4">
         <dgm:presLayoutVars>
           <dgm:chMax val="0"/>
           <dgm:bulletEnabled val="1"/>
@@ -1373,8 +1464,11 @@
     <dgm:cxn modelId="{97805129-668D-F744-92AF-37C6140C1DF0}" type="presOf" srcId="{64C9E8FC-1A5F-9C40-9CAD-C06FDA4ACDB6}" destId="{4D476E2A-D2F2-8B4E-97E0-96C94EB5F41D}" srcOrd="0" destOrd="0" presId="urn:microsoft.com/office/officeart/2005/8/layout/lProcess1"/>
     <dgm:cxn modelId="{6F077E2C-F2F7-6146-BFE1-324CD9323CF9}" srcId="{E400F72E-7065-F545-A8D1-76030B1DD83B}" destId="{B3B69E35-8619-754C-A9A0-3EBDC48556E6}" srcOrd="1" destOrd="0" parTransId="{C0A20162-CB4E-044E-9D3F-7BDC45A8F425}" sibTransId="{7305931D-DEE2-BC47-948E-C6E7E2860E99}"/>
     <dgm:cxn modelId="{4582673F-ADBE-704E-A415-FADEE4E0D7E2}" srcId="{E400F72E-7065-F545-A8D1-76030B1DD83B}" destId="{7733B3CD-D191-2B4A-9E2F-435F3C7FFA09}" srcOrd="0" destOrd="0" parTransId="{64C9E8FC-1A5F-9C40-9CAD-C06FDA4ACDB6}" sibTransId="{376E2957-5509-F747-A9D1-6E09D93EB4AC}"/>
+    <dgm:cxn modelId="{A394F849-4D24-AA4F-B491-04A9C95A64CA}" srcId="{0DB64DCA-AFBC-7E48-9EB0-5B6EC947D992}" destId="{7F755376-FF5F-2F4F-9CD0-4526CC7640E3}" srcOrd="0" destOrd="0" parTransId="{D571EFB5-E96D-F542-8BBD-18A03FCA3BBA}" sibTransId="{9C8C1915-11B4-DB48-9A61-DE92C6778381}"/>
+    <dgm:cxn modelId="{6FC38054-2AED-864A-B72D-4AA7D3BAC62B}" type="presOf" srcId="{D571EFB5-E96D-F542-8BBD-18A03FCA3BBA}" destId="{3AC74BA6-45FC-0B49-8C75-DC31C0384F88}" srcOrd="0" destOrd="0" presId="urn:microsoft.com/office/officeart/2005/8/layout/lProcess1"/>
     <dgm:cxn modelId="{D1D51856-7FAB-4C44-8108-CB15D0B67874}" type="presOf" srcId="{6CA504B8-184F-3C4B-9ADB-BDB00A3560CC}" destId="{43713C1B-90AF-074A-B7EE-E19E3113643E}" srcOrd="0" destOrd="0" presId="urn:microsoft.com/office/officeart/2005/8/layout/lProcess1"/>
     <dgm:cxn modelId="{00ACCF56-F23E-0743-BA9D-56A49C126368}" srcId="{6D1DD161-6F29-DF42-9F4F-183934C32215}" destId="{E400F72E-7065-F545-A8D1-76030B1DD83B}" srcOrd="3" destOrd="0" parTransId="{F982F9DA-617C-DB49-B674-C63F7F050C65}" sibTransId="{0C1712AE-3EF4-5E4E-929D-A0E4B1E6A6A8}"/>
+    <dgm:cxn modelId="{9CC56066-2CA8-9F4F-9261-4AF50627DA3D}" type="presOf" srcId="{7F755376-FF5F-2F4F-9CD0-4526CC7640E3}" destId="{C0763ED9-B0AA-0345-9BDE-6CC81099040C}" srcOrd="0" destOrd="0" presId="urn:microsoft.com/office/officeart/2005/8/layout/lProcess1"/>
     <dgm:cxn modelId="{A6C94575-B0A9-BF48-A4EF-6FA7C5DD153E}" type="presOf" srcId="{F63E9180-3FB8-8E44-9247-CC4030E4056B}" destId="{1983430F-A540-CF41-BA91-4D90D0867C1B}" srcOrd="0" destOrd="0" presId="urn:microsoft.com/office/officeart/2005/8/layout/lProcess1"/>
     <dgm:cxn modelId="{DD73EC81-839F-CC48-B25E-022547F6597E}" srcId="{6D1DD161-6F29-DF42-9F4F-183934C32215}" destId="{0DB64DCA-AFBC-7E48-9EB0-5B6EC947D992}" srcOrd="1" destOrd="0" parTransId="{88F5286F-A2AB-4949-9FA6-732FA10BE776}" sibTransId="{EAE1991B-3C58-7E48-907F-76902948F5AE}"/>
     <dgm:cxn modelId="{6CCF2787-72B9-4B4A-8465-A3C40092B383}" type="presOf" srcId="{6D1DD161-6F29-DF42-9F4F-183934C32215}" destId="{441589C4-1E50-E543-B91D-7716A143C49B}" srcOrd="0" destOrd="0" presId="urn:microsoft.com/office/officeart/2005/8/layout/lProcess1"/>
@@ -1389,6 +1483,8 @@
     <dgm:cxn modelId="{8EEE17C6-1273-964F-9A20-47B9C24AA74A}" type="presParOf" srcId="{441589C4-1E50-E543-B91D-7716A143C49B}" destId="{9A9281F3-4899-9949-BD2D-E6406E75A7F9}" srcOrd="1" destOrd="0" presId="urn:microsoft.com/office/officeart/2005/8/layout/lProcess1"/>
     <dgm:cxn modelId="{0FA1B797-FDEA-5D40-B72C-FE0A78DC16A6}" type="presParOf" srcId="{441589C4-1E50-E543-B91D-7716A143C49B}" destId="{0751A540-4AE6-1342-A958-913CA5AFADFD}" srcOrd="2" destOrd="0" presId="urn:microsoft.com/office/officeart/2005/8/layout/lProcess1"/>
     <dgm:cxn modelId="{CEB172DF-7DB8-094D-ACFF-F8D27AABDBCE}" type="presParOf" srcId="{0751A540-4AE6-1342-A958-913CA5AFADFD}" destId="{B485D53C-5B8E-4940-B1BC-EC07BE4C10B8}" srcOrd="0" destOrd="0" presId="urn:microsoft.com/office/officeart/2005/8/layout/lProcess1"/>
+    <dgm:cxn modelId="{E311756E-F1A6-5345-8247-4680E62AFAF0}" type="presParOf" srcId="{0751A540-4AE6-1342-A958-913CA5AFADFD}" destId="{3AC74BA6-45FC-0B49-8C75-DC31C0384F88}" srcOrd="1" destOrd="0" presId="urn:microsoft.com/office/officeart/2005/8/layout/lProcess1"/>
+    <dgm:cxn modelId="{4EA93709-51B2-0940-B12B-CA10D17C1C23}" type="presParOf" srcId="{0751A540-4AE6-1342-A958-913CA5AFADFD}" destId="{C0763ED9-B0AA-0345-9BDE-6CC81099040C}" srcOrd="2" destOrd="0" presId="urn:microsoft.com/office/officeart/2005/8/layout/lProcess1"/>
     <dgm:cxn modelId="{1ACA7981-7058-1D49-873D-69420711B766}" type="presParOf" srcId="{441589C4-1E50-E543-B91D-7716A143C49B}" destId="{79051EBE-C813-DA4C-B20A-2D11FE077D32}" srcOrd="3" destOrd="0" presId="urn:microsoft.com/office/officeart/2005/8/layout/lProcess1"/>
     <dgm:cxn modelId="{558BD03D-84FC-A54F-8EBD-8CF68AC4AAC5}" type="presParOf" srcId="{441589C4-1E50-E543-B91D-7716A143C49B}" destId="{4F3BE259-3789-AB4B-A59C-F1CC7E6F26C0}" srcOrd="4" destOrd="0" presId="urn:microsoft.com/office/officeart/2005/8/layout/lProcess1"/>
     <dgm:cxn modelId="{F88D5910-2A80-9640-BF32-5E9AFBFA83B0}" type="presParOf" srcId="{4F3BE259-3789-AB4B-A59C-F1CC7E6F26C0}" destId="{2ECF2031-732A-824B-A9FF-753E3D82EA26}" srcOrd="0" destOrd="0" presId="urn:microsoft.com/office/officeart/2005/8/layout/lProcess1"/>
@@ -1602,6 +1698,136 @@
       <dsp:txXfrm>
         <a:off x="2648584" y="615436"/>
         <a:ext cx="2231777" cy="979064"/>
+      </dsp:txXfrm>
+    </dsp:sp>
+    <dsp:sp modelId="{3AC74BA6-45FC-0B49-8C75-DC31C0384F88}">
+      <dsp:nvSpPr>
+        <dsp:cNvPr id="0" name=""/>
+        <dsp:cNvSpPr/>
+      </dsp:nvSpPr>
+      <dsp:spPr>
+        <a:xfrm rot="5400000">
+          <a:off x="3714320" y="1675114"/>
+          <a:ext cx="100305" cy="100305"/>
+        </a:xfrm>
+        <a:prstGeom prst="rightArrow">
+          <a:avLst>
+            <a:gd name="adj1" fmla="val 66700"/>
+            <a:gd name="adj2" fmla="val 50000"/>
+          </a:avLst>
+        </a:prstGeom>
+        <a:solidFill>
+          <a:schemeClr val="accent2">
+            <a:tint val="60000"/>
+            <a:hueOff val="0"/>
+            <a:satOff val="0"/>
+            <a:lumOff val="0"/>
+            <a:alphaOff val="0"/>
+          </a:schemeClr>
+        </a:solidFill>
+        <a:ln>
+          <a:noFill/>
+        </a:ln>
+        <a:effectLst/>
+      </dsp:spPr>
+      <dsp:style>
+        <a:lnRef idx="0">
+          <a:scrgbClr r="0" g="0" b="0"/>
+        </a:lnRef>
+        <a:fillRef idx="1">
+          <a:scrgbClr r="0" g="0" b="0"/>
+        </a:fillRef>
+        <a:effectRef idx="0">
+          <a:scrgbClr r="0" g="0" b="0"/>
+        </a:effectRef>
+        <a:fontRef idx="minor">
+          <a:schemeClr val="lt1"/>
+        </a:fontRef>
+      </dsp:style>
+    </dsp:sp>
+    <dsp:sp modelId="{C0763ED9-B0AA-0345-9BDE-6CC81099040C}">
+      <dsp:nvSpPr>
+        <dsp:cNvPr id="0" name=""/>
+        <dsp:cNvSpPr/>
+      </dsp:nvSpPr>
+      <dsp:spPr>
+        <a:xfrm>
+          <a:off x="2618124" y="1825572"/>
+          <a:ext cx="2292697" cy="573174"/>
+        </a:xfrm>
+        <a:prstGeom prst="roundRect">
+          <a:avLst>
+            <a:gd name="adj" fmla="val 10000"/>
+          </a:avLst>
+        </a:prstGeom>
+        <a:solidFill>
+          <a:schemeClr val="accent2">
+            <a:alpha val="90000"/>
+            <a:tint val="40000"/>
+            <a:hueOff val="0"/>
+            <a:satOff val="0"/>
+            <a:lumOff val="0"/>
+            <a:alphaOff val="0"/>
+          </a:schemeClr>
+        </a:solidFill>
+        <a:ln w="12700" cap="flat" cmpd="sng" algn="ctr">
+          <a:solidFill>
+            <a:schemeClr val="accent2">
+              <a:alpha val="90000"/>
+              <a:tint val="40000"/>
+              <a:hueOff val="0"/>
+              <a:satOff val="0"/>
+              <a:lumOff val="0"/>
+              <a:alphaOff val="0"/>
+            </a:schemeClr>
+          </a:solidFill>
+          <a:prstDash val="solid"/>
+        </a:ln>
+        <a:effectLst/>
+      </dsp:spPr>
+      <dsp:style>
+        <a:lnRef idx="2">
+          <a:scrgbClr r="0" g="0" b="0"/>
+        </a:lnRef>
+        <a:fillRef idx="1">
+          <a:scrgbClr r="0" g="0" b="0"/>
+        </a:fillRef>
+        <a:effectRef idx="0">
+          <a:scrgbClr r="0" g="0" b="0"/>
+        </a:effectRef>
+        <a:fontRef idx="minor"/>
+      </dsp:style>
+      <dsp:txBody>
+        <a:bodyPr spcFirstLastPara="0" vert="horz" wrap="square" lIns="25400" tIns="25400" rIns="25400" bIns="25400" numCol="1" spcCol="1270" anchor="ctr" anchorCtr="0">
+          <a:noAutofit/>
+        </a:bodyPr>
+        <a:lstStyle/>
+        <a:p>
+          <a:pPr marL="0" lvl="0" indent="0" algn="ctr" defTabSz="889000">
+            <a:lnSpc>
+              <a:spcPct val="90000"/>
+            </a:lnSpc>
+            <a:spcBef>
+              <a:spcPct val="0"/>
+            </a:spcBef>
+            <a:spcAft>
+              <a:spcPct val="35000"/>
+            </a:spcAft>
+            <a:buNone/>
+          </a:pPr>
+          <a:r>
+            <a:rPr lang="en-US" sz="1800" kern="1200" dirty="0">
+              <a:latin typeface="Gill Sans MT" panose="020B0502020104020203"/>
+              <a:ea typeface="+mn-ea"/>
+              <a:cs typeface="+mn-cs"/>
+            </a:rPr>
+            <a:t>Dataset Reducing</a:t>
+          </a:r>
+        </a:p>
+      </dsp:txBody>
+      <dsp:txXfrm>
+        <a:off x="2634912" y="1842360"/>
+        <a:ext cx="2259121" cy="539598"/>
       </dsp:txXfrm>
     </dsp:sp>
     <dsp:sp modelId="{2ECF2031-732A-824B-A9FF-753E3D82EA26}">
@@ -2016,12 +2242,12 @@
         <a:fontRef idx="minor"/>
       </dsp:style>
       <dsp:txBody>
-        <a:bodyPr spcFirstLastPara="0" vert="horz" wrap="square" lIns="33020" tIns="33020" rIns="33020" bIns="33020" numCol="1" spcCol="1270" anchor="ctr" anchorCtr="0">
+        <a:bodyPr spcFirstLastPara="0" vert="horz" wrap="square" lIns="25400" tIns="25400" rIns="25400" bIns="25400" numCol="1" spcCol="1270" anchor="ctr" anchorCtr="0">
           <a:noAutofit/>
         </a:bodyPr>
         <a:lstStyle/>
         <a:p>
-          <a:pPr marL="0" lvl="0" indent="0" algn="ctr" defTabSz="1155700">
+          <a:pPr marL="0" lvl="0" indent="0" algn="ctr" defTabSz="889000">
             <a:lnSpc>
               <a:spcPct val="90000"/>
             </a:lnSpc>
@@ -2034,9 +2260,18 @@
             <a:buNone/>
           </a:pPr>
           <a:r>
+            <a:rPr lang="en-US" sz="2000" kern="1200" dirty="0"/>
+            <a:t>Model</a:t>
+          </a:r>
+          <a:r>
             <a:rPr lang="en-US" sz="2600" kern="1200" dirty="0"/>
-            <a:t>Model Selection</a:t>
+            <a:t> </a:t>
           </a:r>
+          <a:r>
+            <a:rPr lang="en-US" sz="2000" kern="1200" dirty="0"/>
+            <a:t>Selection</a:t>
+          </a:r>
+          <a:endParaRPr lang="en-US" sz="2600" kern="1200" dirty="0"/>
         </a:p>
       </dsp:txBody>
       <dsp:txXfrm>
@@ -2142,12 +2377,12 @@
         <a:fontRef idx="minor"/>
       </dsp:style>
       <dsp:txBody>
-        <a:bodyPr spcFirstLastPara="0" vert="horz" wrap="square" lIns="33020" tIns="33020" rIns="33020" bIns="33020" numCol="1" spcCol="1270" anchor="ctr" anchorCtr="0">
+        <a:bodyPr spcFirstLastPara="0" vert="horz" wrap="square" lIns="30480" tIns="30480" rIns="30480" bIns="30480" numCol="1" spcCol="1270" anchor="ctr" anchorCtr="0">
           <a:noAutofit/>
         </a:bodyPr>
         <a:lstStyle/>
         <a:p>
-          <a:pPr marL="0" lvl="0" indent="0" algn="ctr" defTabSz="1155700">
+          <a:pPr marL="0" lvl="0" indent="0" algn="ctr" defTabSz="1066800">
             <a:lnSpc>
               <a:spcPct val="90000"/>
             </a:lnSpc>
@@ -2160,9 +2395,10 @@
             <a:buNone/>
           </a:pPr>
           <a:r>
-            <a:rPr lang="en-US" sz="2600" kern="1200" dirty="0"/>
+            <a:rPr lang="en-US" sz="2400" kern="1200" dirty="0"/>
             <a:t>Evaluation</a:t>
           </a:r>
+          <a:endParaRPr lang="en-US" sz="3400" kern="1200" dirty="0"/>
         </a:p>
       </dsp:txBody>
       <dsp:txXfrm>
@@ -3552,7 +3788,7 @@
           <a:p>
             <a:fld id="{66907B59-4645-C54B-8DF0-15B3DFA298BB}" type="datetimeFigureOut">
               <a:rPr lang="en-US" smtClean="0"/>
-              <a:t>11/18/19</a:t>
+              <a:t>11/28/19</a:t>
             </a:fld>
             <a:endParaRPr lang="en-US"/>
           </a:p>
@@ -3968,7 +4204,7 @@
           <a:p>
             <a:fld id="{766C6F04-8709-2A46-ACB5-99ACA6D3D3E5}" type="slidenum">
               <a:rPr lang="en-US" smtClean="0"/>
-              <a:t>16</a:t>
+              <a:t>17</a:t>
             </a:fld>
             <a:endParaRPr lang="en-US"/>
           </a:p>
@@ -4052,7 +4288,7 @@
           <a:p>
             <a:fld id="{766C6F04-8709-2A46-ACB5-99ACA6D3D3E5}" type="slidenum">
               <a:rPr lang="en-US" smtClean="0"/>
-              <a:t>17</a:t>
+              <a:t>18</a:t>
             </a:fld>
             <a:endParaRPr lang="en-US"/>
           </a:p>
@@ -4648,7 +4884,7 @@
           <a:p>
             <a:fld id="{766C6F04-8709-2A46-ACB5-99ACA6D3D3E5}" type="slidenum">
               <a:rPr lang="en-US" smtClean="0"/>
-              <a:t>14</a:t>
+              <a:t>15</a:t>
             </a:fld>
             <a:endParaRPr lang="en-US"/>
           </a:p>
@@ -4732,7 +4968,7 @@
           <a:p>
             <a:fld id="{766C6F04-8709-2A46-ACB5-99ACA6D3D3E5}" type="slidenum">
               <a:rPr lang="en-US" smtClean="0"/>
-              <a:t>15</a:t>
+              <a:t>16</a:t>
             </a:fld>
             <a:endParaRPr lang="en-US"/>
           </a:p>
@@ -4907,7 +5143,7 @@
             <a:fld id="{B61BEF0D-F0BB-DE4B-95CE-6DB70DBA9567}" type="datetimeFigureOut">
               <a:rPr lang="en-US" smtClean="0"/>
               <a:pPr/>
-              <a:t>11/18/19</a:t>
+              <a:t>11/28/19</a:t>
             </a:fld>
             <a:endParaRPr lang="en-US" dirty="0"/>
           </a:p>
@@ -5079,7 +5315,7 @@
             <a:fld id="{B61BEF0D-F0BB-DE4B-95CE-6DB70DBA9567}" type="datetimeFigureOut">
               <a:rPr lang="en-US" smtClean="0"/>
               <a:pPr/>
-              <a:t>11/18/19</a:t>
+              <a:t>11/28/19</a:t>
             </a:fld>
             <a:endParaRPr lang="en-US" dirty="0"/>
           </a:p>
@@ -5261,7 +5497,7 @@
             <a:fld id="{B61BEF0D-F0BB-DE4B-95CE-6DB70DBA9567}" type="datetimeFigureOut">
               <a:rPr lang="en-US" smtClean="0"/>
               <a:pPr/>
-              <a:t>11/18/19</a:t>
+              <a:t>11/28/19</a:t>
             </a:fld>
             <a:endParaRPr lang="en-US" dirty="0"/>
           </a:p>
@@ -5433,7 +5669,7 @@
             <a:fld id="{B61BEF0D-F0BB-DE4B-95CE-6DB70DBA9567}" type="datetimeFigureOut">
               <a:rPr lang="en-US" smtClean="0"/>
               <a:pPr/>
-              <a:t>11/18/19</a:t>
+              <a:t>11/28/19</a:t>
             </a:fld>
             <a:endParaRPr lang="en-US" dirty="0"/>
           </a:p>
@@ -5695,7 +5931,7 @@
             <a:fld id="{B61BEF0D-F0BB-DE4B-95CE-6DB70DBA9567}" type="datetimeFigureOut">
               <a:rPr lang="en-US" smtClean="0"/>
               <a:pPr/>
-              <a:t>11/18/19</a:t>
+              <a:t>11/28/19</a:t>
             </a:fld>
             <a:endParaRPr lang="en-US" dirty="0"/>
           </a:p>
@@ -5929,7 +6165,7 @@
             <a:fld id="{B61BEF0D-F0BB-DE4B-95CE-6DB70DBA9567}" type="datetimeFigureOut">
               <a:rPr lang="en-US" smtClean="0"/>
               <a:pPr/>
-              <a:t>11/18/19</a:t>
+              <a:t>11/28/19</a:t>
             </a:fld>
             <a:endParaRPr lang="en-US" dirty="0"/>
           </a:p>
@@ -6291,7 +6527,7 @@
             <a:fld id="{B61BEF0D-F0BB-DE4B-95CE-6DB70DBA9567}" type="datetimeFigureOut">
               <a:rPr lang="en-US" smtClean="0"/>
               <a:pPr/>
-              <a:t>11/18/19</a:t>
+              <a:t>11/28/19</a:t>
             </a:fld>
             <a:endParaRPr lang="en-US" dirty="0"/>
           </a:p>
@@ -6434,7 +6670,7 @@
             <a:fld id="{B61BEF0D-F0BB-DE4B-95CE-6DB70DBA9567}" type="datetimeFigureOut">
               <a:rPr lang="en-US" smtClean="0"/>
               <a:pPr/>
-              <a:t>11/18/19</a:t>
+              <a:t>11/28/19</a:t>
             </a:fld>
             <a:endParaRPr lang="en-US" dirty="0"/>
           </a:p>
@@ -6531,7 +6767,7 @@
             <a:fld id="{B61BEF0D-F0BB-DE4B-95CE-6DB70DBA9567}" type="datetimeFigureOut">
               <a:rPr lang="en-US" smtClean="0"/>
               <a:pPr/>
-              <a:t>11/18/19</a:t>
+              <a:t>11/28/19</a:t>
             </a:fld>
             <a:endParaRPr lang="en-US" dirty="0"/>
           </a:p>
@@ -6890,7 +7126,7 @@
             <a:fld id="{B61BEF0D-F0BB-DE4B-95CE-6DB70DBA9567}" type="datetimeFigureOut">
               <a:rPr lang="en-US" smtClean="0"/>
               <a:pPr/>
-              <a:t>11/18/19</a:t>
+              <a:t>11/28/19</a:t>
             </a:fld>
             <a:endParaRPr lang="en-US" dirty="0"/>
           </a:p>
@@ -7215,7 +7451,7 @@
             <a:fld id="{B61BEF0D-F0BB-DE4B-95CE-6DB70DBA9567}" type="datetimeFigureOut">
               <a:rPr lang="en-US" smtClean="0"/>
               <a:pPr/>
-              <a:t>11/18/19</a:t>
+              <a:t>11/28/19</a:t>
             </a:fld>
             <a:endParaRPr lang="en-US" dirty="0"/>
           </a:p>
@@ -7462,7 +7698,7 @@
             <a:fld id="{B61BEF0D-F0BB-DE4B-95CE-6DB70DBA9567}" type="datetimeFigureOut">
               <a:rPr lang="en-US" smtClean="0"/>
               <a:pPr/>
-              <a:t>11/18/19</a:t>
+              <a:t>11/28/19</a:t>
             </a:fld>
             <a:endParaRPr lang="en-US" dirty="0"/>
           </a:p>
@@ -8183,6 +8419,122 @@
 <file path=ppt/slides/slide11.xml><?xml version="1.0" encoding="utf-8"?>
 <p:sld xmlns:a="http://schemas.openxmlformats.org/drawingml/2006/main" xmlns:r="http://schemas.openxmlformats.org/officeDocument/2006/relationships" xmlns:p="http://schemas.openxmlformats.org/presentationml/2006/main">
   <p:cSld>
+    <p:spTree>
+      <p:nvGrpSpPr>
+        <p:cNvPr id="1" name=""/>
+        <p:cNvGrpSpPr/>
+        <p:nvPr/>
+      </p:nvGrpSpPr>
+      <p:grpSpPr>
+        <a:xfrm>
+          <a:off x="0" y="0"/>
+          <a:ext cx="0" cy="0"/>
+          <a:chOff x="0" y="0"/>
+          <a:chExt cx="0" cy="0"/>
+        </a:xfrm>
+      </p:grpSpPr>
+      <p:sp>
+        <p:nvSpPr>
+          <p:cNvPr id="2" name="Title 1">
+            <a:extLst>
+              <a:ext uri="{FF2B5EF4-FFF2-40B4-BE49-F238E27FC236}">
+                <a16:creationId xmlns:a16="http://schemas.microsoft.com/office/drawing/2014/main" id="{B78F36BE-BA21-A540-A747-21EB903C21B7}"/>
+              </a:ext>
+            </a:extLst>
+          </p:cNvPr>
+          <p:cNvSpPr>
+            <a:spLocks noGrp="1"/>
+          </p:cNvSpPr>
+          <p:nvPr>
+            <p:ph type="title"/>
+          </p:nvPr>
+        </p:nvSpPr>
+        <p:spPr/>
+        <p:txBody>
+          <a:bodyPr/>
+          <a:lstStyle/>
+          <a:p>
+            <a:r>
+              <a:rPr lang="en-US" dirty="0"/>
+              <a:t>Recommender Systems</a:t>
+            </a:r>
+          </a:p>
+        </p:txBody>
+      </p:sp>
+      <p:sp>
+        <p:nvSpPr>
+          <p:cNvPr id="3" name="Content Placeholder 2">
+            <a:extLst>
+              <a:ext uri="{FF2B5EF4-FFF2-40B4-BE49-F238E27FC236}">
+                <a16:creationId xmlns:a16="http://schemas.microsoft.com/office/drawing/2014/main" id="{D5B408D1-B7E8-6841-B47C-098EDDA23132}"/>
+              </a:ext>
+            </a:extLst>
+          </p:cNvPr>
+          <p:cNvSpPr>
+            <a:spLocks noGrp="1"/>
+          </p:cNvSpPr>
+          <p:nvPr>
+            <p:ph idx="1"/>
+          </p:nvPr>
+        </p:nvSpPr>
+        <p:spPr/>
+        <p:txBody>
+          <a:bodyPr/>
+          <a:lstStyle/>
+          <a:p>
+            <a:pPr marL="0" indent="0">
+              <a:buNone/>
+            </a:pPr>
+            <a:r>
+              <a:rPr lang="en-US" b="1" i="1" dirty="0"/>
+              <a:t>Two major categories:</a:t>
+            </a:r>
+          </a:p>
+          <a:p>
+            <a:pPr marL="0" indent="0">
+              <a:buNone/>
+            </a:pPr>
+            <a:endParaRPr lang="en-US" b="1" i="1" dirty="0"/>
+          </a:p>
+          <a:p>
+            <a:r>
+              <a:rPr lang="en-US" b="1" i="1" dirty="0"/>
+              <a:t>Collaborative Filtering: </a:t>
+            </a:r>
+            <a:r>
+              <a:rPr lang="en-US" i="1" dirty="0"/>
+              <a:t>Based on user’s past behavior and those of other users to which the user is similar to.</a:t>
+            </a:r>
+            <a:endParaRPr lang="en-US" dirty="0"/>
+          </a:p>
+          <a:p>
+            <a:r>
+              <a:rPr lang="en-US" b="1" i="1" dirty="0"/>
+              <a:t>Content-Based Filtering:  </a:t>
+            </a:r>
+            <a:r>
+              <a:rPr lang="en-US" i="1" dirty="0"/>
+              <a:t>Based on learning the distinct properties of an item to recommend additional items with similar properties</a:t>
+            </a:r>
+          </a:p>
+        </p:txBody>
+      </p:sp>
+    </p:spTree>
+    <p:extLst>
+      <p:ext uri="{BB962C8B-B14F-4D97-AF65-F5344CB8AC3E}">
+        <p14:creationId xmlns:p14="http://schemas.microsoft.com/office/powerpoint/2010/main" val="3597960973"/>
+      </p:ext>
+    </p:extLst>
+  </p:cSld>
+  <p:clrMapOvr>
+    <a:masterClrMapping/>
+  </p:clrMapOvr>
+</p:sld>
+</file>
+
+<file path=ppt/slides/slide12.xml><?xml version="1.0" encoding="utf-8"?>
+<p:sld xmlns:a="http://schemas.openxmlformats.org/drawingml/2006/main" xmlns:r="http://schemas.openxmlformats.org/officeDocument/2006/relationships" xmlns:p="http://schemas.openxmlformats.org/presentationml/2006/main">
+  <p:cSld>
     <p:bg>
       <p:bgPr>
         <a:solidFill>
@@ -8277,17 +8629,8 @@
             </a:pPr>
             <a:r>
               <a:rPr lang="en-US" b="1" dirty="0"/>
-              <a:t>Latent Factor Based or Matrix Factorization (Embedding Model using </a:t>
-            </a:r>
-            <a:r>
-              <a:rPr lang="en-US" b="1"/>
-              <a:t>Keras</a:t>
-            </a:r>
-            <a:r>
-              <a:rPr lang="en-US" b="1" dirty="0"/>
-              <a:t>) has the following structure</a:t>
-            </a:r>
-            <a:endParaRPr lang="en-US" b="1"/>
+              <a:t>Latent Factor Based or Matrix Factorization (Embedding Model) has the following structure</a:t>
+            </a:r>
           </a:p>
           <a:p>
             <a:pPr marL="571500" lvl="1">
@@ -8299,7 +8642,6 @@
               <a:rPr lang="en-US" dirty="0"/>
               <a:t>Input for both books and users</a:t>
             </a:r>
-            <a:endParaRPr lang="en-US"/>
           </a:p>
           <a:p>
             <a:pPr marL="571500" lvl="1">
@@ -8311,7 +8653,6 @@
               <a:rPr lang="en-US" dirty="0"/>
               <a:t>Embeddings for books and users</a:t>
             </a:r>
-            <a:endParaRPr lang="en-US"/>
           </a:p>
           <a:p>
             <a:pPr marL="571500" lvl="1">
@@ -8323,7 +8664,6 @@
               <a:rPr lang="en-US" dirty="0"/>
               <a:t>Combines embeddings using a dot product</a:t>
             </a:r>
-            <a:endParaRPr lang="en-US"/>
           </a:p>
           <a:p>
             <a:pPr lvl="1">
@@ -8331,7 +8671,7 @@
                 <a:spcPct val="90000"/>
               </a:lnSpc>
             </a:pPr>
-            <a:endParaRPr lang="en-US" b="1"/>
+            <a:endParaRPr lang="en-US" b="1" dirty="0"/>
           </a:p>
           <a:p>
             <a:pPr>
@@ -8339,7 +8679,7 @@
                 <a:spcPct val="90000"/>
               </a:lnSpc>
             </a:pPr>
-            <a:endParaRPr lang="en-US"/>
+            <a:endParaRPr lang="en-US" dirty="0"/>
           </a:p>
         </p:txBody>
       </p:sp>
@@ -8513,7 +8853,7 @@
 </p:sld>
 </file>
 
-<file path=ppt/slides/slide12.xml><?xml version="1.0" encoding="utf-8"?>
+<file path=ppt/slides/slide13.xml><?xml version="1.0" encoding="utf-8"?>
 <p:sld xmlns:a="http://schemas.openxmlformats.org/drawingml/2006/main" xmlns:r="http://schemas.openxmlformats.org/officeDocument/2006/relationships" xmlns:p="http://schemas.openxmlformats.org/presentationml/2006/main">
   <p:cSld>
     <p:spTree>
@@ -8654,7 +8994,7 @@
 </p:sld>
 </file>
 
-<file path=ppt/slides/slide13.xml><?xml version="1.0" encoding="utf-8"?>
+<file path=ppt/slides/slide14.xml><?xml version="1.0" encoding="utf-8"?>
 <p:sld xmlns:a="http://schemas.openxmlformats.org/drawingml/2006/main" xmlns:r="http://schemas.openxmlformats.org/officeDocument/2006/relationships" xmlns:p="http://schemas.openxmlformats.org/presentationml/2006/main">
   <p:cSld>
     <p:bg>
@@ -8683,6 +9023,71 @@
       </p:grpSpPr>
       <p:sp>
         <p:nvSpPr>
+          <p:cNvPr id="16" name="Rectangle 13">
+            <a:extLst>
+              <a:ext uri="{FF2B5EF4-FFF2-40B4-BE49-F238E27FC236}">
+                <a16:creationId xmlns:a16="http://schemas.microsoft.com/office/drawing/2014/main" id="{269FDCA6-5947-4604-9928-D67DB5CA8B29}"/>
+              </a:ext>
+              <a:ext uri="{C183D7F6-B498-43B3-948B-1728B52AA6E4}">
+                <adec:decorative xmlns:adec="http://schemas.microsoft.com/office/drawing/2017/decorative" val="1"/>
+              </a:ext>
+            </a:extLst>
+          </p:cNvPr>
+          <p:cNvSpPr>
+            <a:spLocks noGrp="1" noRot="1" noChangeAspect="1" noMove="1" noResize="1" noEditPoints="1" noAdjustHandles="1" noChangeArrowheads="1" noChangeShapeType="1" noTextEdit="1"/>
+          </p:cNvSpPr>
+          <p:nvPr>
+            <p:extLst>
+              <p:ext uri="{386F3935-93C4-4BCD-93E2-E3B085C9AB24}">
+                <p16:designElem xmlns:p16="http://schemas.microsoft.com/office/powerpoint/2015/main" val="1"/>
+              </p:ext>
+            </p:extLst>
+          </p:nvPr>
+        </p:nvSpPr>
+        <p:spPr>
+          <a:xfrm>
+            <a:off x="960120" y="1559052"/>
+            <a:ext cx="10271760" cy="4347972"/>
+          </a:xfrm>
+          <a:prstGeom prst="rect">
+            <a:avLst/>
+          </a:prstGeom>
+          <a:solidFill>
+            <a:srgbClr val="FFFFFF"/>
+          </a:solidFill>
+          <a:ln w="31750">
+            <a:solidFill>
+              <a:srgbClr val="404040"/>
+            </a:solidFill>
+          </a:ln>
+        </p:spPr>
+        <p:style>
+          <a:lnRef idx="2">
+            <a:schemeClr val="accent1">
+              <a:shade val="50000"/>
+            </a:schemeClr>
+          </a:lnRef>
+          <a:fillRef idx="1">
+            <a:schemeClr val="accent1"/>
+          </a:fillRef>
+          <a:effectRef idx="0">
+            <a:schemeClr val="accent1"/>
+          </a:effectRef>
+          <a:fontRef idx="minor">
+            <a:schemeClr val="lt1"/>
+          </a:fontRef>
+        </p:style>
+        <p:txBody>
+          <a:bodyPr rtlCol="0" anchor="ctr"/>
+          <a:lstStyle/>
+          <a:p>
+            <a:pPr algn="ctr"/>
+            <a:endParaRPr lang="en-US"/>
+          </a:p>
+        </p:txBody>
+      </p:sp>
+      <p:sp>
+        <p:nvSpPr>
           <p:cNvPr id="2" name="Title 1">
             <a:extLst>
               <a:ext uri="{FF2B5EF4-FFF2-40B4-BE49-F238E27FC236}">
@@ -8702,6 +9107,11 @@
             <a:off x="2231136" y="964692"/>
             <a:ext cx="7729728" cy="1188720"/>
           </a:xfrm>
+          <a:ln>
+            <a:solidFill>
+              <a:srgbClr val="404040"/>
+            </a:solidFill>
+          </a:ln>
         </p:spPr>
         <p:txBody>
           <a:bodyPr vert="horz" lIns="182880" tIns="182880" rIns="182880" bIns="182880" rtlCol="0" anchor="ctr" anchorCtr="1">
@@ -8718,19 +9128,17 @@
       </p:sp>
       <p:pic>
         <p:nvPicPr>
-          <p:cNvPr id="6" name="Content Placeholder 5" descr="A picture containing bird&#10;&#10;Description automatically generated">
+          <p:cNvPr id="9" name="Picture 8" descr="A screenshot of a cell phone&#10;&#10;Description automatically generated">
             <a:extLst>
               <a:ext uri="{FF2B5EF4-FFF2-40B4-BE49-F238E27FC236}">
-                <a16:creationId xmlns:a16="http://schemas.microsoft.com/office/drawing/2014/main" id="{E2DEDCD2-C1D1-4F47-B0D7-ED17F667E0B9}"/>
+                <a16:creationId xmlns:a16="http://schemas.microsoft.com/office/drawing/2014/main" id="{053585D6-F728-1A44-80FF-6574ECA02274}"/>
               </a:ext>
             </a:extLst>
           </p:cNvPr>
           <p:cNvPicPr>
-            <a:picLocks noGrp="1" noChangeAspect="1"/>
+            <a:picLocks noChangeAspect="1"/>
           </p:cNvPicPr>
-          <p:nvPr>
-            <p:ph sz="half" idx="2"/>
-          </p:nvPr>
+          <p:nvPr/>
         </p:nvPicPr>
         <p:blipFill>
           <a:blip r:embed="rId2"/>
@@ -8740,8 +9148,8 @@
         </p:blipFill>
         <p:spPr>
           <a:xfrm>
-            <a:off x="2231136" y="2638044"/>
-            <a:ext cx="7729728" cy="2280270"/>
+            <a:off x="2087246" y="2482596"/>
+            <a:ext cx="8029181" cy="2930652"/>
           </a:xfrm>
           <a:prstGeom prst="rect">
             <a:avLst/>
@@ -8752,134 +9160,6 @@
     <p:extLst>
       <p:ext uri="{BB962C8B-B14F-4D97-AF65-F5344CB8AC3E}">
         <p14:creationId xmlns:p14="http://schemas.microsoft.com/office/powerpoint/2010/main" val="506087409"/>
-      </p:ext>
-    </p:extLst>
-  </p:cSld>
-  <p:clrMapOvr>
-    <a:masterClrMapping/>
-  </p:clrMapOvr>
-</p:sld>
-</file>
-
-<file path=ppt/slides/slide14.xml><?xml version="1.0" encoding="utf-8"?>
-<p:sld xmlns:a="http://schemas.openxmlformats.org/drawingml/2006/main" xmlns:r="http://schemas.openxmlformats.org/officeDocument/2006/relationships" xmlns:p="http://schemas.openxmlformats.org/presentationml/2006/main">
-  <p:cSld>
-    <p:spTree>
-      <p:nvGrpSpPr>
-        <p:cNvPr id="1" name=""/>
-        <p:cNvGrpSpPr/>
-        <p:nvPr/>
-      </p:nvGrpSpPr>
-      <p:grpSpPr>
-        <a:xfrm>
-          <a:off x="0" y="0"/>
-          <a:ext cx="0" cy="0"/>
-          <a:chOff x="0" y="0"/>
-          <a:chExt cx="0" cy="0"/>
-        </a:xfrm>
-      </p:grpSpPr>
-      <p:sp>
-        <p:nvSpPr>
-          <p:cNvPr id="2" name="Title 1">
-            <a:extLst>
-              <a:ext uri="{FF2B5EF4-FFF2-40B4-BE49-F238E27FC236}">
-                <a16:creationId xmlns:a16="http://schemas.microsoft.com/office/drawing/2014/main" id="{A07953F0-5B79-CD44-9579-0711854FB021}"/>
-              </a:ext>
-            </a:extLst>
-          </p:cNvPr>
-          <p:cNvSpPr>
-            <a:spLocks noGrp="1"/>
-          </p:cNvSpPr>
-          <p:nvPr>
-            <p:ph type="title"/>
-          </p:nvPr>
-        </p:nvSpPr>
-        <p:spPr/>
-        <p:txBody>
-          <a:bodyPr>
-            <a:normAutofit/>
-          </a:bodyPr>
-          <a:lstStyle/>
-          <a:p>
-            <a:r>
-              <a:rPr lang="en-US" dirty="0"/>
-              <a:t>practical uses</a:t>
-            </a:r>
-          </a:p>
-        </p:txBody>
-      </p:sp>
-      <p:sp>
-        <p:nvSpPr>
-          <p:cNvPr id="5" name="Content Placeholder 4">
-            <a:extLst>
-              <a:ext uri="{FF2B5EF4-FFF2-40B4-BE49-F238E27FC236}">
-                <a16:creationId xmlns:a16="http://schemas.microsoft.com/office/drawing/2014/main" id="{C9CE3C00-59DC-E84E-BDD9-0AC691091E28}"/>
-              </a:ext>
-            </a:extLst>
-          </p:cNvPr>
-          <p:cNvSpPr>
-            <a:spLocks noGrp="1"/>
-          </p:cNvSpPr>
-          <p:nvPr>
-            <p:ph idx="1"/>
-          </p:nvPr>
-        </p:nvSpPr>
-        <p:spPr/>
-        <p:txBody>
-          <a:bodyPr>
-            <a:normAutofit/>
-          </a:bodyPr>
-          <a:lstStyle/>
-          <a:p>
-            <a:pPr marL="0" indent="0">
-              <a:buNone/>
-            </a:pPr>
-            <a:r>
-              <a:rPr lang="en-US" sz="2000" dirty="0"/>
-              <a:t>Because this model objective is to provide recommendations, this model can be used for multiple purposes in the sense of recommending various things to users. For example, some of them might fall in the categories below:</a:t>
-            </a:r>
-          </a:p>
-          <a:p>
-            <a:pPr lvl="1"/>
-            <a:r>
-              <a:rPr lang="en-US" sz="1800" dirty="0"/>
-              <a:t>Some retail products</a:t>
-            </a:r>
-          </a:p>
-          <a:p>
-            <a:pPr lvl="1"/>
-            <a:r>
-              <a:rPr lang="en-US" sz="1800" dirty="0"/>
-              <a:t>Movies, music, videos, articles</a:t>
-            </a:r>
-          </a:p>
-          <a:p>
-            <a:pPr lvl="1"/>
-            <a:r>
-              <a:rPr lang="en-US" sz="1800" dirty="0"/>
-              <a:t>Jobs</a:t>
-            </a:r>
-          </a:p>
-          <a:p>
-            <a:pPr lvl="1"/>
-            <a:r>
-              <a:rPr lang="en-US" sz="1800" dirty="0"/>
-              <a:t>Connections / friends</a:t>
-            </a:r>
-          </a:p>
-          <a:p>
-            <a:pPr lvl="1"/>
-            <a:endParaRPr lang="en-US" sz="1800" dirty="0"/>
-          </a:p>
-          <a:p>
-            <a:endParaRPr lang="en-US" sz="2000" dirty="0"/>
-          </a:p>
-        </p:txBody>
-      </p:sp>
-    </p:spTree>
-    <p:extLst>
-      <p:ext uri="{BB962C8B-B14F-4D97-AF65-F5344CB8AC3E}">
-        <p14:creationId xmlns:p14="http://schemas.microsoft.com/office/powerpoint/2010/main" val="3746270755"/>
       </p:ext>
     </p:extLst>
   </p:cSld>
@@ -8911,6 +9191,134 @@
           <p:cNvPr id="2" name="Title 1">
             <a:extLst>
               <a:ext uri="{FF2B5EF4-FFF2-40B4-BE49-F238E27FC236}">
+                <a16:creationId xmlns:a16="http://schemas.microsoft.com/office/drawing/2014/main" id="{A07953F0-5B79-CD44-9579-0711854FB021}"/>
+              </a:ext>
+            </a:extLst>
+          </p:cNvPr>
+          <p:cNvSpPr>
+            <a:spLocks noGrp="1"/>
+          </p:cNvSpPr>
+          <p:nvPr>
+            <p:ph type="title"/>
+          </p:nvPr>
+        </p:nvSpPr>
+        <p:spPr/>
+        <p:txBody>
+          <a:bodyPr>
+            <a:normAutofit/>
+          </a:bodyPr>
+          <a:lstStyle/>
+          <a:p>
+            <a:r>
+              <a:rPr lang="en-US" dirty="0"/>
+              <a:t>practical uses</a:t>
+            </a:r>
+          </a:p>
+        </p:txBody>
+      </p:sp>
+      <p:sp>
+        <p:nvSpPr>
+          <p:cNvPr id="5" name="Content Placeholder 4">
+            <a:extLst>
+              <a:ext uri="{FF2B5EF4-FFF2-40B4-BE49-F238E27FC236}">
+                <a16:creationId xmlns:a16="http://schemas.microsoft.com/office/drawing/2014/main" id="{C9CE3C00-59DC-E84E-BDD9-0AC691091E28}"/>
+              </a:ext>
+            </a:extLst>
+          </p:cNvPr>
+          <p:cNvSpPr>
+            <a:spLocks noGrp="1"/>
+          </p:cNvSpPr>
+          <p:nvPr>
+            <p:ph idx="1"/>
+          </p:nvPr>
+        </p:nvSpPr>
+        <p:spPr/>
+        <p:txBody>
+          <a:bodyPr>
+            <a:normAutofit/>
+          </a:bodyPr>
+          <a:lstStyle/>
+          <a:p>
+            <a:pPr marL="0" indent="0">
+              <a:buNone/>
+            </a:pPr>
+            <a:r>
+              <a:rPr lang="en-US" sz="2000" dirty="0"/>
+              <a:t>Because this model objective is to provide recommendations, this model can be used for multiple purposes in the sense of recommending various things to users. For example, some of them might fall in the categories below:</a:t>
+            </a:r>
+          </a:p>
+          <a:p>
+            <a:pPr lvl="1"/>
+            <a:r>
+              <a:rPr lang="en-US" sz="1800" dirty="0"/>
+              <a:t>Some retail products</a:t>
+            </a:r>
+          </a:p>
+          <a:p>
+            <a:pPr lvl="1"/>
+            <a:r>
+              <a:rPr lang="en-US" sz="1800" dirty="0"/>
+              <a:t>Movies, music, videos, articles</a:t>
+            </a:r>
+          </a:p>
+          <a:p>
+            <a:pPr lvl="1"/>
+            <a:r>
+              <a:rPr lang="en-US" sz="1800" dirty="0"/>
+              <a:t>Jobs</a:t>
+            </a:r>
+          </a:p>
+          <a:p>
+            <a:pPr lvl="1"/>
+            <a:r>
+              <a:rPr lang="en-US" sz="1800" dirty="0"/>
+              <a:t>Connections / friends</a:t>
+            </a:r>
+          </a:p>
+          <a:p>
+            <a:pPr lvl="1"/>
+            <a:endParaRPr lang="en-US" sz="1800" dirty="0"/>
+          </a:p>
+          <a:p>
+            <a:endParaRPr lang="en-US" sz="2000" dirty="0"/>
+          </a:p>
+        </p:txBody>
+      </p:sp>
+    </p:spTree>
+    <p:extLst>
+      <p:ext uri="{BB962C8B-B14F-4D97-AF65-F5344CB8AC3E}">
+        <p14:creationId xmlns:p14="http://schemas.microsoft.com/office/powerpoint/2010/main" val="3746270755"/>
+      </p:ext>
+    </p:extLst>
+  </p:cSld>
+  <p:clrMapOvr>
+    <a:masterClrMapping/>
+  </p:clrMapOvr>
+</p:sld>
+</file>
+
+<file path=ppt/slides/slide16.xml><?xml version="1.0" encoding="utf-8"?>
+<p:sld xmlns:a="http://schemas.openxmlformats.org/drawingml/2006/main" xmlns:r="http://schemas.openxmlformats.org/officeDocument/2006/relationships" xmlns:p="http://schemas.openxmlformats.org/presentationml/2006/main">
+  <p:cSld>
+    <p:spTree>
+      <p:nvGrpSpPr>
+        <p:cNvPr id="1" name=""/>
+        <p:cNvGrpSpPr/>
+        <p:nvPr/>
+      </p:nvGrpSpPr>
+      <p:grpSpPr>
+        <a:xfrm>
+          <a:off x="0" y="0"/>
+          <a:ext cx="0" cy="0"/>
+          <a:chOff x="0" y="0"/>
+          <a:chExt cx="0" cy="0"/>
+        </a:xfrm>
+      </p:grpSpPr>
+      <p:sp>
+        <p:nvSpPr>
+          <p:cNvPr id="2" name="Title 1">
+            <a:extLst>
+              <a:ext uri="{FF2B5EF4-FFF2-40B4-BE49-F238E27FC236}">
                 <a16:creationId xmlns:a16="http://schemas.microsoft.com/office/drawing/2014/main" id="{FB6BE916-8C12-AC46-82C2-058601B0983B}"/>
               </a:ext>
             </a:extLst>
@@ -9021,7 +9429,7 @@
 </p:sld>
 </file>
 
-<file path=ppt/slides/slide16.xml><?xml version="1.0" encoding="utf-8"?>
+<file path=ppt/slides/slide17.xml><?xml version="1.0" encoding="utf-8"?>
 <p:sld xmlns:a="http://schemas.openxmlformats.org/drawingml/2006/main" xmlns:r="http://schemas.openxmlformats.org/officeDocument/2006/relationships" xmlns:p="http://schemas.openxmlformats.org/presentationml/2006/main">
   <p:cSld>
     <p:spTree>
@@ -9093,7 +9501,7 @@
 </p:sld>
 </file>
 
-<file path=ppt/slides/slide17.xml><?xml version="1.0" encoding="utf-8"?>
+<file path=ppt/slides/slide18.xml><?xml version="1.0" encoding="utf-8"?>
 <p:sld xmlns:a="http://schemas.openxmlformats.org/drawingml/2006/main" xmlns:r="http://schemas.openxmlformats.org/officeDocument/2006/relationships" xmlns:p="http://schemas.openxmlformats.org/presentationml/2006/main">
   <p:cSld>
     <p:spTree>
@@ -9250,7 +9658,7 @@
         <p:spPr/>
         <p:txBody>
           <a:bodyPr>
-            <a:normAutofit lnSpcReduction="10000"/>
+            <a:normAutofit fontScale="92500" lnSpcReduction="20000"/>
           </a:bodyPr>
           <a:lstStyle/>
           <a:p>
@@ -9268,12 +9676,6 @@
           <a:p>
             <a:r>
               <a:rPr lang="en-US" dirty="0"/>
-              <a:t>Attributes</a:t>
-            </a:r>
-          </a:p>
-          <a:p>
-            <a:r>
-              <a:rPr lang="en-US" dirty="0"/>
               <a:t>Business Question</a:t>
             </a:r>
           </a:p>
@@ -9281,6 +9683,18 @@
             <a:r>
               <a:rPr lang="en-US" dirty="0"/>
               <a:t>The Process</a:t>
+            </a:r>
+          </a:p>
+          <a:p>
+            <a:r>
+              <a:rPr lang="en-US" dirty="0"/>
+              <a:t>Recommender Systems</a:t>
+            </a:r>
+          </a:p>
+          <a:p>
+            <a:r>
+              <a:rPr lang="en-US" dirty="0"/>
+              <a:t>Models &amp; Results</a:t>
             </a:r>
           </a:p>
           <a:p>
@@ -10617,7 +11031,7 @@
             <p:ph idx="1"/>
             <p:extLst>
               <p:ext uri="{D42A27DB-BD31-4B8C-83A1-F6EECF244321}">
-                <p14:modId xmlns:p14="http://schemas.microsoft.com/office/powerpoint/2010/main" val="2512112222"/>
+                <p14:modId xmlns:p14="http://schemas.microsoft.com/office/powerpoint/2010/main" val="307696774"/>
               </p:ext>
             </p:extLst>
           </p:nvPr>
@@ -10818,6 +11232,123 @@
           </a:p>
         </p:txBody>
       </p:sp>
+      <p:cxnSp>
+        <p:nvCxnSpPr>
+          <p:cNvPr id="4" name="Straight Arrow Connector 3">
+            <a:extLst>
+              <a:ext uri="{FF2B5EF4-FFF2-40B4-BE49-F238E27FC236}">
+                <a16:creationId xmlns:a16="http://schemas.microsoft.com/office/drawing/2014/main" id="{C726C7DF-FD57-FA40-A310-C15B9A977346}"/>
+              </a:ext>
+            </a:extLst>
+          </p:cNvPr>
+          <p:cNvCxnSpPr/>
+          <p:nvPr/>
+        </p:nvCxnSpPr>
+        <p:spPr>
+          <a:xfrm>
+            <a:off x="3419061" y="3633834"/>
+            <a:ext cx="318052" cy="0"/>
+          </a:xfrm>
+          <a:prstGeom prst="straightConnector1">
+            <a:avLst/>
+          </a:prstGeom>
+          <a:ln>
+            <a:tailEnd type="triangle"/>
+          </a:ln>
+        </p:spPr>
+        <p:style>
+          <a:lnRef idx="1">
+            <a:schemeClr val="accent1"/>
+          </a:lnRef>
+          <a:fillRef idx="0">
+            <a:schemeClr val="accent1"/>
+          </a:fillRef>
+          <a:effectRef idx="0">
+            <a:schemeClr val="accent1"/>
+          </a:effectRef>
+          <a:fontRef idx="minor">
+            <a:schemeClr val="tx1"/>
+          </a:fontRef>
+        </p:style>
+      </p:cxnSp>
+      <p:cxnSp>
+        <p:nvCxnSpPr>
+          <p:cNvPr id="11" name="Straight Arrow Connector 10">
+            <a:extLst>
+              <a:ext uri="{FF2B5EF4-FFF2-40B4-BE49-F238E27FC236}">
+                <a16:creationId xmlns:a16="http://schemas.microsoft.com/office/drawing/2014/main" id="{D4C4EA1C-D3B6-334B-A9BD-A78A5BCE98E6}"/>
+              </a:ext>
+            </a:extLst>
+          </p:cNvPr>
+          <p:cNvCxnSpPr/>
+          <p:nvPr/>
+        </p:nvCxnSpPr>
+        <p:spPr>
+          <a:xfrm>
+            <a:off x="6016486" y="3714008"/>
+            <a:ext cx="318052" cy="0"/>
+          </a:xfrm>
+          <a:prstGeom prst="straightConnector1">
+            <a:avLst/>
+          </a:prstGeom>
+          <a:ln>
+            <a:tailEnd type="triangle"/>
+          </a:ln>
+        </p:spPr>
+        <p:style>
+          <a:lnRef idx="1">
+            <a:schemeClr val="accent1"/>
+          </a:lnRef>
+          <a:fillRef idx="0">
+            <a:schemeClr val="accent1"/>
+          </a:fillRef>
+          <a:effectRef idx="0">
+            <a:schemeClr val="accent1"/>
+          </a:effectRef>
+          <a:fontRef idx="minor">
+            <a:schemeClr val="tx1"/>
+          </a:fontRef>
+        </p:style>
+      </p:cxnSp>
+      <p:cxnSp>
+        <p:nvCxnSpPr>
+          <p:cNvPr id="13" name="Straight Arrow Connector 12">
+            <a:extLst>
+              <a:ext uri="{FF2B5EF4-FFF2-40B4-BE49-F238E27FC236}">
+                <a16:creationId xmlns:a16="http://schemas.microsoft.com/office/drawing/2014/main" id="{4D8226B0-EBE6-4A4B-8C84-27976307E6DA}"/>
+              </a:ext>
+            </a:extLst>
+          </p:cNvPr>
+          <p:cNvCxnSpPr/>
+          <p:nvPr/>
+        </p:nvCxnSpPr>
+        <p:spPr>
+          <a:xfrm>
+            <a:off x="8633790" y="3697529"/>
+            <a:ext cx="318052" cy="0"/>
+          </a:xfrm>
+          <a:prstGeom prst="straightConnector1">
+            <a:avLst/>
+          </a:prstGeom>
+          <a:ln>
+            <a:tailEnd type="triangle"/>
+          </a:ln>
+        </p:spPr>
+        <p:style>
+          <a:lnRef idx="1">
+            <a:schemeClr val="accent1"/>
+          </a:lnRef>
+          <a:fillRef idx="0">
+            <a:schemeClr val="accent1"/>
+          </a:fillRef>
+          <a:effectRef idx="0">
+            <a:schemeClr val="accent1"/>
+          </a:effectRef>
+          <a:fontRef idx="minor">
+            <a:schemeClr val="tx1"/>
+          </a:fontRef>
+        </p:style>
+      </p:cxnSp>
     </p:spTree>
     <p:extLst>
       <p:ext uri="{BB962C8B-B14F-4D97-AF65-F5344CB8AC3E}">
@@ -10913,7 +11444,7 @@
                                         <p:tgtEl>
                                           <p:spTgt spid="7">
                                             <p:graphicEl>
-                                              <a:dgm id="{BCCD77CE-1132-1D4F-A933-EE23E5595F8C}"/>
+                                              <a:dgm id="{B485D53C-5B8E-4940-B1BC-EC07BE4C10B8}"/>
                                             </p:graphicEl>
                                           </p:spTgt>
                                         </p:tgtEl>
@@ -10949,7 +11480,7 @@
                               <p:par>
                                 <p:cTn id="13" presetID="1" presetClass="entr" presetSubtype="0" fill="hold" grpId="0" nodeType="clickEffect">
                                   <p:stCondLst>
-                                    <p:cond delay="500"/>
+                                    <p:cond delay="0"/>
                                   </p:stCondLst>
                                   <p:childTnLst>
                                     <p:set>
@@ -10962,7 +11493,7 @@
                                         <p:tgtEl>
                                           <p:spTgt spid="7">
                                             <p:graphicEl>
-                                              <a:dgm id="{E250B024-5903-CD40-97BE-6865B38A0DCF}"/>
+                                              <a:dgm id="{3AC74BA6-45FC-0B49-8C75-DC31C0384F88}"/>
                                             </p:graphicEl>
                                           </p:spTgt>
                                         </p:tgtEl>
@@ -10980,7 +11511,7 @@
                               <p:par>
                                 <p:cTn id="15" presetID="1" presetClass="entr" presetSubtype="0" fill="hold" grpId="0" nodeType="withEffect">
                                   <p:stCondLst>
-                                    <p:cond delay="500"/>
+                                    <p:cond delay="0"/>
                                   </p:stCondLst>
                                   <p:childTnLst>
                                     <p:set>
@@ -10993,7 +11524,7 @@
                                         <p:tgtEl>
                                           <p:spTgt spid="7">
                                             <p:graphicEl>
-                                              <a:dgm id="{D4BA578B-4600-C94F-8AA8-C1A2FD47634B}"/>
+                                              <a:dgm id="{C0763ED9-B0AA-0345-9BDE-6CC81099040C}"/>
                                             </p:graphicEl>
                                           </p:spTgt>
                                         </p:tgtEl>
@@ -11042,7 +11573,7 @@
                                         <p:tgtEl>
                                           <p:spTgt spid="7">
                                             <p:graphicEl>
-                                              <a:dgm id="{0311D990-A190-8D4A-A46F-1C5F92BA66DD}"/>
+                                              <a:dgm id="{2ECF2031-732A-824B-A9FF-753E3D82EA26}"/>
                                             </p:graphicEl>
                                           </p:spTgt>
                                         </p:tgtEl>
@@ -11078,7 +11609,7 @@
                               <p:par>
                                 <p:cTn id="23" presetID="1" presetClass="entr" presetSubtype="0" fill="hold" grpId="0" nodeType="clickEffect">
                                   <p:stCondLst>
-                                    <p:cond delay="500"/>
+                                    <p:cond delay="0"/>
                                   </p:stCondLst>
                                   <p:childTnLst>
                                     <p:set>
@@ -11091,7 +11622,38 @@
                                         <p:tgtEl>
                                           <p:spTgt spid="7">
                                             <p:graphicEl>
-                                              <a:dgm id="{B485D53C-5B8E-4940-B1BC-EC07BE4C10B8}"/>
+                                              <a:dgm id="{E043C9CC-26D2-E04B-9A9E-5985EF574745}"/>
+                                            </p:graphicEl>
+                                          </p:spTgt>
+                                        </p:tgtEl>
+                                        <p:attrNameLst>
+                                          <p:attrName>style.visibility</p:attrName>
+                                        </p:attrNameLst>
+                                      </p:cBhvr>
+                                      <p:to>
+                                        <p:strVal val="visible"/>
+                                      </p:to>
+                                    </p:set>
+                                  </p:childTnLst>
+                                </p:cTn>
+                              </p:par>
+                              <p:par>
+                                <p:cTn id="25" presetID="1" presetClass="entr" presetSubtype="0" fill="hold" grpId="0" nodeType="withEffect">
+                                  <p:stCondLst>
+                                    <p:cond delay="0"/>
+                                  </p:stCondLst>
+                                  <p:childTnLst>
+                                    <p:set>
+                                      <p:cBhvr>
+                                        <p:cTn id="26" dur="1" fill="hold">
+                                          <p:stCondLst>
+                                            <p:cond delay="0"/>
+                                          </p:stCondLst>
+                                        </p:cTn>
+                                        <p:tgtEl>
+                                          <p:spTgt spid="7">
+                                            <p:graphicEl>
+                                              <a:dgm id="{43713C1B-90AF-074A-B7EE-E19E3113643E}"/>
                                             </p:graphicEl>
                                           </p:spTgt>
                                         </p:tgtEl>
@@ -11113,360 +11675,26 @@
                     </p:cTn>
                   </p:par>
                   <p:par>
-                    <p:cTn id="25" fill="hold">
+                    <p:cTn id="27" fill="hold">
                       <p:stCondLst>
                         <p:cond delay="indefinite"/>
                       </p:stCondLst>
                       <p:childTnLst>
                         <p:par>
-                          <p:cTn id="26" fill="hold">
+                          <p:cTn id="28" fill="hold">
                             <p:stCondLst>
                               <p:cond delay="0"/>
                             </p:stCondLst>
                             <p:childTnLst>
                               <p:par>
-                                <p:cTn id="27" presetID="1" presetClass="entr" presetSubtype="0" fill="hold" grpId="0" nodeType="clickEffect">
-                                  <p:stCondLst>
-                                    <p:cond delay="0"/>
-                                  </p:stCondLst>
-                                  <p:childTnLst>
-                                    <p:set>
-                                      <p:cBhvr>
-                                        <p:cTn id="28" dur="1" fill="hold">
-                                          <p:stCondLst>
-                                            <p:cond delay="0"/>
-                                          </p:stCondLst>
-                                        </p:cTn>
-                                        <p:tgtEl>
-                                          <p:spTgt spid="7">
-                                            <p:graphicEl>
-                                              <a:dgm id="{721C0525-8127-244D-A8A0-E36E4FD8C401}"/>
-                                            </p:graphicEl>
-                                          </p:spTgt>
-                                        </p:tgtEl>
-                                        <p:attrNameLst>
-                                          <p:attrName>style.visibility</p:attrName>
-                                        </p:attrNameLst>
-                                      </p:cBhvr>
-                                      <p:to>
-                                        <p:strVal val="visible"/>
-                                      </p:to>
-                                    </p:set>
-                                  </p:childTnLst>
-                                </p:cTn>
-                              </p:par>
-                            </p:childTnLst>
-                          </p:cTn>
-                        </p:par>
-                      </p:childTnLst>
-                    </p:cTn>
-                  </p:par>
-                  <p:par>
-                    <p:cTn id="29" fill="hold">
-                      <p:stCondLst>
-                        <p:cond delay="indefinite"/>
-                      </p:stCondLst>
-                      <p:childTnLst>
-                        <p:par>
-                          <p:cTn id="30" fill="hold">
-                            <p:stCondLst>
-                              <p:cond delay="0"/>
-                            </p:stCondLst>
-                            <p:childTnLst>
-                              <p:par>
-                                <p:cTn id="31" presetID="1" presetClass="entr" presetSubtype="0" fill="hold" grpId="0" nodeType="clickEffect">
+                                <p:cTn id="29" presetID="1" presetClass="entr" presetSubtype="0" fill="hold" grpId="0" nodeType="clickEffect">
                                   <p:stCondLst>
                                     <p:cond delay="500"/>
                                   </p:stCondLst>
                                   <p:childTnLst>
                                     <p:set>
                                       <p:cBhvr>
-                                        <p:cTn id="32" dur="1" fill="hold">
-                                          <p:stCondLst>
-                                            <p:cond delay="0"/>
-                                          </p:stCondLst>
-                                        </p:cTn>
-                                        <p:tgtEl>
-                                          <p:spTgt spid="10"/>
-                                        </p:tgtEl>
-                                        <p:attrNameLst>
-                                          <p:attrName>style.visibility</p:attrName>
-                                        </p:attrNameLst>
-                                      </p:cBhvr>
-                                      <p:to>
-                                        <p:strVal val="visible"/>
-                                      </p:to>
-                                    </p:set>
-                                  </p:childTnLst>
-                                </p:cTn>
-                              </p:par>
-                              <p:par>
-                                <p:cTn id="33" presetID="1" presetClass="entr" presetSubtype="0" fill="hold" grpId="0" nodeType="withEffect">
-                                  <p:stCondLst>
-                                    <p:cond delay="500"/>
-                                  </p:stCondLst>
-                                  <p:childTnLst>
-                                    <p:set>
-                                      <p:cBhvr>
-                                        <p:cTn id="34" dur="1" fill="hold">
-                                          <p:stCondLst>
-                                            <p:cond delay="0"/>
-                                          </p:stCondLst>
-                                        </p:cTn>
-                                        <p:tgtEl>
-                                          <p:spTgt spid="7">
-                                            <p:graphicEl>
-                                              <a:dgm id="{3C66C132-28E1-9A47-99D4-A618512219FE}"/>
-                                            </p:graphicEl>
-                                          </p:spTgt>
-                                        </p:tgtEl>
-                                        <p:attrNameLst>
-                                          <p:attrName>style.visibility</p:attrName>
-                                        </p:attrNameLst>
-                                      </p:cBhvr>
-                                      <p:to>
-                                        <p:strVal val="visible"/>
-                                      </p:to>
-                                    </p:set>
-                                  </p:childTnLst>
-                                </p:cTn>
-                              </p:par>
-                            </p:childTnLst>
-                          </p:cTn>
-                        </p:par>
-                      </p:childTnLst>
-                    </p:cTn>
-                  </p:par>
-                  <p:par>
-                    <p:cTn id="35" fill="hold">
-                      <p:stCondLst>
-                        <p:cond delay="indefinite"/>
-                      </p:stCondLst>
-                      <p:childTnLst>
-                        <p:par>
-                          <p:cTn id="36" fill="hold">
-                            <p:stCondLst>
-                              <p:cond delay="0"/>
-                            </p:stCondLst>
-                            <p:childTnLst>
-                              <p:par>
-                                <p:cTn id="37" presetID="1" presetClass="entr" presetSubtype="0" fill="hold" grpId="0" nodeType="clickEffect">
-                                  <p:stCondLst>
-                                    <p:cond delay="500"/>
-                                  </p:stCondLst>
-                                  <p:childTnLst>
-                                    <p:set>
-                                      <p:cBhvr>
-                                        <p:cTn id="38" dur="1" fill="hold">
-                                          <p:stCondLst>
-                                            <p:cond delay="0"/>
-                                          </p:stCondLst>
-                                        </p:cTn>
-                                        <p:tgtEl>
-                                          <p:spTgt spid="7">
-                                            <p:graphicEl>
-                                              <a:dgm id="{9DBDD8D2-3674-3D4A-AB87-CF977CCF18B7}"/>
-                                            </p:graphicEl>
-                                          </p:spTgt>
-                                        </p:tgtEl>
-                                        <p:attrNameLst>
-                                          <p:attrName>style.visibility</p:attrName>
-                                        </p:attrNameLst>
-                                      </p:cBhvr>
-                                      <p:to>
-                                        <p:strVal val="visible"/>
-                                      </p:to>
-                                    </p:set>
-                                  </p:childTnLst>
-                                </p:cTn>
-                              </p:par>
-                            </p:childTnLst>
-                          </p:cTn>
-                        </p:par>
-                      </p:childTnLst>
-                    </p:cTn>
-                  </p:par>
-                  <p:par>
-                    <p:cTn id="39" fill="hold">
-                      <p:stCondLst>
-                        <p:cond delay="indefinite"/>
-                      </p:stCondLst>
-                      <p:childTnLst>
-                        <p:par>
-                          <p:cTn id="40" fill="hold">
-                            <p:stCondLst>
-                              <p:cond delay="0"/>
-                            </p:stCondLst>
-                            <p:childTnLst>
-                              <p:par>
-                                <p:cTn id="41" presetID="1" presetClass="entr" presetSubtype="0" fill="hold" grpId="0" nodeType="clickEffect">
-                                  <p:stCondLst>
-                                    <p:cond delay="500"/>
-                                  </p:stCondLst>
-                                  <p:childTnLst>
-                                    <p:set>
-                                      <p:cBhvr>
-                                        <p:cTn id="42" dur="1" fill="hold">
-                                          <p:stCondLst>
-                                            <p:cond delay="0"/>
-                                          </p:stCondLst>
-                                        </p:cTn>
-                                        <p:tgtEl>
-                                          <p:spTgt spid="7">
-                                            <p:graphicEl>
-                                              <a:dgm id="{2DB6167C-FC9D-7E4F-97BC-70B47259879E}"/>
-                                            </p:graphicEl>
-                                          </p:spTgt>
-                                        </p:tgtEl>
-                                        <p:attrNameLst>
-                                          <p:attrName>style.visibility</p:attrName>
-                                        </p:attrNameLst>
-                                      </p:cBhvr>
-                                      <p:to>
-                                        <p:strVal val="visible"/>
-                                      </p:to>
-                                    </p:set>
-                                  </p:childTnLst>
-                                </p:cTn>
-                              </p:par>
-                              <p:par>
-                                <p:cTn id="43" presetID="1" presetClass="entr" presetSubtype="0" fill="hold" grpId="0" nodeType="withEffect">
-                                  <p:stCondLst>
-                                    <p:cond delay="500"/>
-                                  </p:stCondLst>
-                                  <p:childTnLst>
-                                    <p:set>
-                                      <p:cBhvr>
-                                        <p:cTn id="44" dur="1" fill="hold">
-                                          <p:stCondLst>
-                                            <p:cond delay="0"/>
-                                          </p:stCondLst>
-                                        </p:cTn>
-                                        <p:tgtEl>
-                                          <p:spTgt spid="7">
-                                            <p:graphicEl>
-                                              <a:dgm id="{9A870E46-FBF2-2744-8B12-60DC01FF9A20}"/>
-                                            </p:graphicEl>
-                                          </p:spTgt>
-                                        </p:tgtEl>
-                                        <p:attrNameLst>
-                                          <p:attrName>style.visibility</p:attrName>
-                                        </p:attrNameLst>
-                                      </p:cBhvr>
-                                      <p:to>
-                                        <p:strVal val="visible"/>
-                                      </p:to>
-                                    </p:set>
-                                  </p:childTnLst>
-                                </p:cTn>
-                              </p:par>
-                            </p:childTnLst>
-                          </p:cTn>
-                        </p:par>
-                      </p:childTnLst>
-                    </p:cTn>
-                  </p:par>
-                  <p:par>
-                    <p:cTn id="45" fill="hold">
-                      <p:stCondLst>
-                        <p:cond delay="indefinite"/>
-                      </p:stCondLst>
-                      <p:childTnLst>
-                        <p:par>
-                          <p:cTn id="46" fill="hold">
-                            <p:stCondLst>
-                              <p:cond delay="0"/>
-                            </p:stCondLst>
-                            <p:childTnLst>
-                              <p:par>
-                                <p:cTn id="47" presetID="1" presetClass="entr" presetSubtype="0" fill="hold" grpId="0" nodeType="clickEffect">
-                                  <p:stCondLst>
-                                    <p:cond delay="500"/>
-                                  </p:stCondLst>
-                                  <p:childTnLst>
-                                    <p:set>
-                                      <p:cBhvr>
-                                        <p:cTn id="48" dur="1" fill="hold">
-                                          <p:stCondLst>
-                                            <p:cond delay="0"/>
-                                          </p:stCondLst>
-                                        </p:cTn>
-                                        <p:tgtEl>
-                                          <p:spTgt spid="7">
-                                            <p:graphicEl>
-                                              <a:dgm id="{90B61065-2A86-E54F-BCCC-56CE1061DDB4}"/>
-                                            </p:graphicEl>
-                                          </p:spTgt>
-                                        </p:tgtEl>
-                                        <p:attrNameLst>
-                                          <p:attrName>style.visibility</p:attrName>
-                                        </p:attrNameLst>
-                                      </p:cBhvr>
-                                      <p:to>
-                                        <p:strVal val="visible"/>
-                                      </p:to>
-                                    </p:set>
-                                  </p:childTnLst>
-                                </p:cTn>
-                              </p:par>
-                              <p:par>
-                                <p:cTn id="49" presetID="1" presetClass="entr" presetSubtype="0" fill="hold" grpId="0" nodeType="withEffect">
-                                  <p:stCondLst>
-                                    <p:cond delay="500"/>
-                                  </p:stCondLst>
-                                  <p:childTnLst>
-                                    <p:set>
-                                      <p:cBhvr>
-                                        <p:cTn id="50" dur="1" fill="hold">
-                                          <p:stCondLst>
-                                            <p:cond delay="0"/>
-                                          </p:stCondLst>
-                                        </p:cTn>
-                                        <p:tgtEl>
-                                          <p:spTgt spid="7">
-                                            <p:graphicEl>
-                                              <a:dgm id="{6DF9EF43-E378-7542-888B-AF25B2F802BE}"/>
-                                            </p:graphicEl>
-                                          </p:spTgt>
-                                        </p:tgtEl>
-                                        <p:attrNameLst>
-                                          <p:attrName>style.visibility</p:attrName>
-                                        </p:attrNameLst>
-                                      </p:cBhvr>
-                                      <p:to>
-                                        <p:strVal val="visible"/>
-                                      </p:to>
-                                    </p:set>
-                                  </p:childTnLst>
-                                </p:cTn>
-                              </p:par>
-                            </p:childTnLst>
-                          </p:cTn>
-                        </p:par>
-                      </p:childTnLst>
-                    </p:cTn>
-                  </p:par>
-                  <p:par>
-                    <p:cTn id="51" fill="hold">
-                      <p:stCondLst>
-                        <p:cond delay="indefinite"/>
-                      </p:stCondLst>
-                      <p:childTnLst>
-                        <p:par>
-                          <p:cTn id="52" fill="hold">
-                            <p:stCondLst>
-                              <p:cond delay="0"/>
-                            </p:stCondLst>
-                            <p:childTnLst>
-                              <p:par>
-                                <p:cTn id="53" presetID="1" presetClass="entr" presetSubtype="0" fill="hold" grpId="0" nodeType="clickEffect">
-                                  <p:stCondLst>
-                                    <p:cond delay="500"/>
-                                  </p:stCondLst>
-                                  <p:childTnLst>
-                                    <p:set>
-                                      <p:cBhvr>
-                                        <p:cTn id="54" dur="1" fill="hold">
+                                        <p:cTn id="30" dur="1" fill="hold">
                                           <p:stCondLst>
                                             <p:cond delay="0"/>
                                           </p:stCondLst>
@@ -11496,26 +11724,26 @@
                     </p:cTn>
                   </p:par>
                   <p:par>
-                    <p:cTn id="55" fill="hold">
+                    <p:cTn id="31" fill="hold">
                       <p:stCondLst>
                         <p:cond delay="indefinite"/>
                       </p:stCondLst>
                       <p:childTnLst>
                         <p:par>
-                          <p:cTn id="56" fill="hold">
+                          <p:cTn id="32" fill="hold">
                             <p:stCondLst>
                               <p:cond delay="0"/>
                             </p:stCondLst>
                             <p:childTnLst>
                               <p:par>
-                                <p:cTn id="57" presetID="1" presetClass="entr" presetSubtype="0" fill="hold" grpId="0" nodeType="clickEffect">
+                                <p:cTn id="33" presetID="1" presetClass="entr" presetSubtype="0" fill="hold" grpId="0" nodeType="clickEffect">
                                   <p:stCondLst>
                                     <p:cond delay="500"/>
                                   </p:stCondLst>
                                   <p:childTnLst>
                                     <p:set>
                                       <p:cBhvr>
-                                        <p:cTn id="58" dur="1" fill="hold">
+                                        <p:cTn id="34" dur="1" fill="hold">
                                           <p:stCondLst>
                                             <p:cond delay="0"/>
                                           </p:stCondLst>
@@ -11539,14 +11767,14 @@
                                 </p:cTn>
                               </p:par>
                               <p:par>
-                                <p:cTn id="59" presetID="1" presetClass="entr" presetSubtype="0" fill="hold" grpId="0" nodeType="withEffect">
+                                <p:cTn id="35" presetID="1" presetClass="entr" presetSubtype="0" fill="hold" grpId="0" nodeType="withEffect">
                                   <p:stCondLst>
                                     <p:cond delay="500"/>
                                   </p:stCondLst>
                                   <p:childTnLst>
                                     <p:set>
                                       <p:cBhvr>
-                                        <p:cTn id="60" dur="1" fill="hold">
+                                        <p:cTn id="36" dur="1" fill="hold">
                                           <p:stCondLst>
                                             <p:cond delay="0"/>
                                           </p:stCondLst>
@@ -11576,26 +11804,26 @@
                     </p:cTn>
                   </p:par>
                   <p:par>
-                    <p:cTn id="61" fill="hold">
+                    <p:cTn id="37" fill="hold">
                       <p:stCondLst>
                         <p:cond delay="indefinite"/>
                       </p:stCondLst>
                       <p:childTnLst>
                         <p:par>
-                          <p:cTn id="62" fill="hold">
+                          <p:cTn id="38" fill="hold">
                             <p:stCondLst>
                               <p:cond delay="0"/>
                             </p:stCondLst>
                             <p:childTnLst>
                               <p:par>
-                                <p:cTn id="63" presetID="1" presetClass="entr" presetSubtype="0" fill="hold" grpId="0" nodeType="clickEffect">
+                                <p:cTn id="39" presetID="1" presetClass="entr" presetSubtype="0" fill="hold" grpId="0" nodeType="clickEffect">
                                   <p:stCondLst>
                                     <p:cond delay="500"/>
                                   </p:stCondLst>
                                   <p:childTnLst>
                                     <p:set>
                                       <p:cBhvr>
-                                        <p:cTn id="64" dur="1" fill="hold">
+                                        <p:cTn id="40" dur="1" fill="hold">
                                           <p:stCondLst>
                                             <p:cond delay="0"/>
                                           </p:stCondLst>
@@ -11619,14 +11847,14 @@
                                 </p:cTn>
                               </p:par>
                               <p:par>
-                                <p:cTn id="65" presetID="1" presetClass="entr" presetSubtype="0" fill="hold" grpId="0" nodeType="withEffect">
+                                <p:cTn id="41" presetID="1" presetClass="entr" presetSubtype="0" fill="hold" grpId="0" nodeType="withEffect">
                                   <p:stCondLst>
                                     <p:cond delay="500"/>
                                   </p:stCondLst>
                                   <p:childTnLst>
                                     <p:set>
                                       <p:cBhvr>
-                                        <p:cTn id="66" dur="1" fill="hold">
+                                        <p:cTn id="42" dur="1" fill="hold">
                                           <p:stCondLst>
                                             <p:cond delay="0"/>
                                           </p:stCondLst>
@@ -11656,26 +11884,71 @@
                     </p:cTn>
                   </p:par>
                   <p:par>
-                    <p:cTn id="67" fill="hold">
+                    <p:cTn id="43" fill="hold">
                       <p:stCondLst>
                         <p:cond delay="indefinite"/>
                       </p:stCondLst>
                       <p:childTnLst>
                         <p:par>
-                          <p:cTn id="68" fill="hold">
+                          <p:cTn id="44" fill="hold">
                             <p:stCondLst>
                               <p:cond delay="0"/>
                             </p:stCondLst>
                             <p:childTnLst>
                               <p:par>
-                                <p:cTn id="69" presetID="1" presetClass="entr" presetSubtype="0" fill="hold" grpId="0" nodeType="clickEffect">
+                                <p:cTn id="45" presetID="1" presetClass="entr" presetSubtype="0" fill="hold" grpId="0" nodeType="clickEffect">
                                   <p:stCondLst>
                                     <p:cond delay="500"/>
                                   </p:stCondLst>
                                   <p:childTnLst>
                                     <p:set>
                                       <p:cBhvr>
-                                        <p:cTn id="70" dur="1" fill="hold">
+                                        <p:cTn id="46" dur="1" fill="hold">
+                                          <p:stCondLst>
+                                            <p:cond delay="0"/>
+                                          </p:stCondLst>
+                                        </p:cTn>
+                                        <p:tgtEl>
+                                          <p:spTgt spid="10"/>
+                                        </p:tgtEl>
+                                        <p:attrNameLst>
+                                          <p:attrName>style.visibility</p:attrName>
+                                        </p:attrNameLst>
+                                      </p:cBhvr>
+                                      <p:to>
+                                        <p:strVal val="visible"/>
+                                      </p:to>
+                                    </p:set>
+                                  </p:childTnLst>
+                                </p:cTn>
+                              </p:par>
+                            </p:childTnLst>
+                          </p:cTn>
+                        </p:par>
+                      </p:childTnLst>
+                    </p:cTn>
+                  </p:par>
+                  <p:par>
+                    <p:cTn id="47" fill="hold">
+                      <p:stCondLst>
+                        <p:cond delay="indefinite"/>
+                      </p:stCondLst>
+                      <p:childTnLst>
+                        <p:par>
+                          <p:cTn id="48" fill="hold">
+                            <p:stCondLst>
+                              <p:cond delay="0"/>
+                            </p:stCondLst>
+                            <p:childTnLst>
+                              <p:par>
+                                <p:cTn id="49" presetID="1" presetClass="entr" presetSubtype="0" fill="hold" grpId="0" nodeType="clickEffect">
+                                  <p:stCondLst>
+                                    <p:cond delay="500"/>
+                                  </p:stCondLst>
+                                  <p:childTnLst>
+                                    <p:set>
+                                      <p:cBhvr>
+                                        <p:cTn id="50" dur="1" fill="hold">
                                           <p:stCondLst>
                                             <p:cond delay="0"/>
                                           </p:stCondLst>
@@ -11697,101 +11970,21 @@
                             </p:childTnLst>
                           </p:cTn>
                         </p:par>
-                      </p:childTnLst>
-                    </p:cTn>
-                  </p:par>
-                  <p:par>
-                    <p:cTn id="71" fill="hold">
-                      <p:stCondLst>
-                        <p:cond delay="indefinite"/>
-                      </p:stCondLst>
-                      <p:childTnLst>
                         <p:par>
-                          <p:cTn id="72" fill="hold">
-                            <p:stCondLst>
-                              <p:cond delay="0"/>
-                            </p:stCondLst>
-                            <p:childTnLst>
-                              <p:par>
-                                <p:cTn id="73" presetID="1" presetClass="entr" presetSubtype="0" fill="hold" grpId="0" nodeType="clickEffect">
-                                  <p:stCondLst>
-                                    <p:cond delay="500"/>
-                                  </p:stCondLst>
-                                  <p:childTnLst>
-                                    <p:set>
-                                      <p:cBhvr>
-                                        <p:cTn id="74" dur="1" fill="hold">
-                                          <p:stCondLst>
-                                            <p:cond delay="0"/>
-                                          </p:stCondLst>
-                                        </p:cTn>
-                                        <p:tgtEl>
-                                          <p:spTgt spid="7">
-                                            <p:graphicEl>
-                                              <a:dgm id="{B6ADAC64-8107-2F45-A299-AA41C67B8672}"/>
-                                            </p:graphicEl>
-                                          </p:spTgt>
-                                        </p:tgtEl>
-                                        <p:attrNameLst>
-                                          <p:attrName>style.visibility</p:attrName>
-                                        </p:attrNameLst>
-                                      </p:cBhvr>
-                                      <p:to>
-                                        <p:strVal val="visible"/>
-                                      </p:to>
-                                    </p:set>
-                                  </p:childTnLst>
-                                </p:cTn>
-                              </p:par>
-                              <p:par>
-                                <p:cTn id="75" presetID="1" presetClass="entr" presetSubtype="0" fill="hold" grpId="0" nodeType="withEffect">
-                                  <p:stCondLst>
-                                    <p:cond delay="500"/>
-                                  </p:stCondLst>
-                                  <p:childTnLst>
-                                    <p:set>
-                                      <p:cBhvr>
-                                        <p:cTn id="76" dur="1" fill="hold">
-                                          <p:stCondLst>
-                                            <p:cond delay="0"/>
-                                          </p:stCondLst>
-                                        </p:cTn>
-                                        <p:tgtEl>
-                                          <p:spTgt spid="7">
-                                            <p:graphicEl>
-                                              <a:dgm id="{66982734-D772-544F-A510-5441A9CC909D}"/>
-                                            </p:graphicEl>
-                                          </p:spTgt>
-                                        </p:tgtEl>
-                                        <p:attrNameLst>
-                                          <p:attrName>style.visibility</p:attrName>
-                                        </p:attrNameLst>
-                                      </p:cBhvr>
-                                      <p:to>
-                                        <p:strVal val="visible"/>
-                                      </p:to>
-                                    </p:set>
-                                  </p:childTnLst>
-                                </p:cTn>
-                              </p:par>
-                            </p:childTnLst>
-                          </p:cTn>
-                        </p:par>
-                        <p:par>
-                          <p:cTn id="77" fill="hold">
+                          <p:cTn id="51" fill="hold">
                             <p:stCondLst>
                               <p:cond delay="500"/>
                             </p:stCondLst>
                             <p:childTnLst>
                               <p:par>
-                                <p:cTn id="78" presetID="1" presetClass="entr" presetSubtype="0" fill="hold" grpId="0" nodeType="afterEffect">
+                                <p:cTn id="52" presetID="1" presetClass="entr" presetSubtype="0" fill="hold" grpId="0" nodeType="afterEffect">
                                   <p:stCondLst>
                                     <p:cond delay="0"/>
                                   </p:stCondLst>
                                   <p:childTnLst>
                                     <p:set>
                                       <p:cBhvr>
-                                        <p:cTn id="79" dur="1" fill="hold">
+                                        <p:cTn id="53" dur="1" fill="hold">
                                           <p:stCondLst>
                                             <p:cond delay="0"/>
                                           </p:stCondLst>
